--- a/word/检测头.pptx
+++ b/word/检测头.pptx
@@ -4,9 +4,13 @@
   <p:sldMasterIdLst>
     <p:sldMasterId id="2147483648" r:id="rId1"/>
   </p:sldMasterIdLst>
+  <p:notesMasterIdLst>
+    <p:notesMasterId r:id="rId5"/>
+  </p:notesMasterIdLst>
   <p:sldIdLst>
     <p:sldId id="256" r:id="rId2"/>
     <p:sldId id="257" r:id="rId3"/>
+    <p:sldId id="258" r:id="rId4"/>
   </p:sldIdLst>
   <p:sldSz cx="12192000" cy="6858000"/>
   <p:notesSz cx="6858000" cy="9144000"/>
@@ -113,6 +117,355 @@
 </p:presentation>
 </file>
 
+<file path=ppt/notesMasters/notesMaster1.xml><?xml version="1.0" encoding="utf-8"?>
+<p:notesMaster xmlns:a="http://schemas.openxmlformats.org/drawingml/2006/main" xmlns:r="http://schemas.openxmlformats.org/officeDocument/2006/relationships" xmlns:p="http://schemas.openxmlformats.org/presentationml/2006/main">
+  <p:cSld>
+    <p:bg>
+      <p:bgRef idx="1001">
+        <a:schemeClr val="bg1"/>
+      </p:bgRef>
+    </p:bg>
+    <p:spTree>
+      <p:nvGrpSpPr>
+        <p:cNvPr id="1" name=""/>
+        <p:cNvGrpSpPr/>
+        <p:nvPr/>
+      </p:nvGrpSpPr>
+      <p:grpSpPr>
+        <a:xfrm>
+          <a:off x="0" y="0"/>
+          <a:ext cx="0" cy="0"/>
+          <a:chOff x="0" y="0"/>
+          <a:chExt cx="0" cy="0"/>
+        </a:xfrm>
+      </p:grpSpPr>
+      <p:sp>
+        <p:nvSpPr>
+          <p:cNvPr id="2" name="页眉占位符 1"/>
+          <p:cNvSpPr>
+            <a:spLocks noGrp="1"/>
+          </p:cNvSpPr>
+          <p:nvPr>
+            <p:ph type="hdr" sz="quarter"/>
+          </p:nvPr>
+        </p:nvSpPr>
+        <p:spPr>
+          <a:xfrm>
+            <a:off x="0" y="0"/>
+            <a:ext cx="2971800" cy="458788"/>
+          </a:xfrm>
+          <a:prstGeom prst="rect">
+            <a:avLst/>
+          </a:prstGeom>
+        </p:spPr>
+        <p:txBody>
+          <a:bodyPr vert="horz" lIns="91440" tIns="45720" rIns="91440" bIns="45720" rtlCol="0"/>
+          <a:lstStyle>
+            <a:lvl1pPr algn="l">
+              <a:defRPr sz="1200"/>
+            </a:lvl1pPr>
+          </a:lstStyle>
+          <a:p>
+            <a:endParaRPr lang="zh-CN" altLang="en-US"/>
+          </a:p>
+        </p:txBody>
+      </p:sp>
+      <p:sp>
+        <p:nvSpPr>
+          <p:cNvPr id="3" name="日期占位符 2"/>
+          <p:cNvSpPr>
+            <a:spLocks noGrp="1"/>
+          </p:cNvSpPr>
+          <p:nvPr>
+            <p:ph type="dt" idx="1"/>
+          </p:nvPr>
+        </p:nvSpPr>
+        <p:spPr>
+          <a:xfrm>
+            <a:off x="3884613" y="0"/>
+            <a:ext cx="2971800" cy="458788"/>
+          </a:xfrm>
+          <a:prstGeom prst="rect">
+            <a:avLst/>
+          </a:prstGeom>
+        </p:spPr>
+        <p:txBody>
+          <a:bodyPr vert="horz" lIns="91440" tIns="45720" rIns="91440" bIns="45720" rtlCol="0"/>
+          <a:lstStyle>
+            <a:lvl1pPr algn="r">
+              <a:defRPr sz="1200"/>
+            </a:lvl1pPr>
+          </a:lstStyle>
+          <a:p>
+            <a:fld id="{BBEC9D85-A4AD-4C56-8787-D6CE08F5C7AE}" type="datetimeFigureOut">
+              <a:rPr lang="zh-CN" altLang="en-US" smtClean="0"/>
+              <a:t>2020/4/25</a:t>
+            </a:fld>
+            <a:endParaRPr lang="zh-CN" altLang="en-US"/>
+          </a:p>
+        </p:txBody>
+      </p:sp>
+      <p:sp>
+        <p:nvSpPr>
+          <p:cNvPr id="4" name="幻灯片图像占位符 3"/>
+          <p:cNvSpPr>
+            <a:spLocks noGrp="1" noRot="1" noChangeAspect="1"/>
+          </p:cNvSpPr>
+          <p:nvPr>
+            <p:ph type="sldImg" idx="2"/>
+          </p:nvPr>
+        </p:nvSpPr>
+        <p:spPr>
+          <a:xfrm>
+            <a:off x="685800" y="1143000"/>
+            <a:ext cx="5486400" cy="3086100"/>
+          </a:xfrm>
+          <a:prstGeom prst="rect">
+            <a:avLst/>
+          </a:prstGeom>
+          <a:noFill/>
+          <a:ln w="12700">
+            <a:solidFill>
+              <a:prstClr val="black"/>
+            </a:solidFill>
+          </a:ln>
+        </p:spPr>
+        <p:txBody>
+          <a:bodyPr vert="horz" lIns="91440" tIns="45720" rIns="91440" bIns="45720" rtlCol="0" anchor="ctr"/>
+          <a:lstStyle/>
+          <a:p>
+            <a:endParaRPr lang="zh-CN" altLang="en-US"/>
+          </a:p>
+        </p:txBody>
+      </p:sp>
+      <p:sp>
+        <p:nvSpPr>
+          <p:cNvPr id="5" name="备注占位符 4"/>
+          <p:cNvSpPr>
+            <a:spLocks noGrp="1"/>
+          </p:cNvSpPr>
+          <p:nvPr>
+            <p:ph type="body" sz="quarter" idx="3"/>
+          </p:nvPr>
+        </p:nvSpPr>
+        <p:spPr>
+          <a:xfrm>
+            <a:off x="685800" y="4400550"/>
+            <a:ext cx="5486400" cy="3600450"/>
+          </a:xfrm>
+          <a:prstGeom prst="rect">
+            <a:avLst/>
+          </a:prstGeom>
+        </p:spPr>
+        <p:txBody>
+          <a:bodyPr vert="horz" lIns="91440" tIns="45720" rIns="91440" bIns="45720" rtlCol="0"/>
+          <a:lstStyle/>
+          <a:p>
+            <a:pPr lvl="0"/>
+            <a:r>
+              <a:rPr lang="zh-CN" altLang="en-US"/>
+              <a:t>单击此处编辑母版文本样式</a:t>
+            </a:r>
+          </a:p>
+          <a:p>
+            <a:pPr lvl="1"/>
+            <a:r>
+              <a:rPr lang="zh-CN" altLang="en-US"/>
+              <a:t>二级</a:t>
+            </a:r>
+          </a:p>
+          <a:p>
+            <a:pPr lvl="2"/>
+            <a:r>
+              <a:rPr lang="zh-CN" altLang="en-US"/>
+              <a:t>三级</a:t>
+            </a:r>
+          </a:p>
+          <a:p>
+            <a:pPr lvl="3"/>
+            <a:r>
+              <a:rPr lang="zh-CN" altLang="en-US"/>
+              <a:t>四级</a:t>
+            </a:r>
+          </a:p>
+          <a:p>
+            <a:pPr lvl="4"/>
+            <a:r>
+              <a:rPr lang="zh-CN" altLang="en-US"/>
+              <a:t>五级</a:t>
+            </a:r>
+          </a:p>
+        </p:txBody>
+      </p:sp>
+      <p:sp>
+        <p:nvSpPr>
+          <p:cNvPr id="6" name="页脚占位符 5"/>
+          <p:cNvSpPr>
+            <a:spLocks noGrp="1"/>
+          </p:cNvSpPr>
+          <p:nvPr>
+            <p:ph type="ftr" sz="quarter" idx="4"/>
+          </p:nvPr>
+        </p:nvSpPr>
+        <p:spPr>
+          <a:xfrm>
+            <a:off x="0" y="8685213"/>
+            <a:ext cx="2971800" cy="458787"/>
+          </a:xfrm>
+          <a:prstGeom prst="rect">
+            <a:avLst/>
+          </a:prstGeom>
+        </p:spPr>
+        <p:txBody>
+          <a:bodyPr vert="horz" lIns="91440" tIns="45720" rIns="91440" bIns="45720" rtlCol="0" anchor="b"/>
+          <a:lstStyle>
+            <a:lvl1pPr algn="l">
+              <a:defRPr sz="1200"/>
+            </a:lvl1pPr>
+          </a:lstStyle>
+          <a:p>
+            <a:endParaRPr lang="zh-CN" altLang="en-US"/>
+          </a:p>
+        </p:txBody>
+      </p:sp>
+      <p:sp>
+        <p:nvSpPr>
+          <p:cNvPr id="7" name="灯片编号占位符 6"/>
+          <p:cNvSpPr>
+            <a:spLocks noGrp="1"/>
+          </p:cNvSpPr>
+          <p:nvPr>
+            <p:ph type="sldNum" sz="quarter" idx="5"/>
+          </p:nvPr>
+        </p:nvSpPr>
+        <p:spPr>
+          <a:xfrm>
+            <a:off x="3884613" y="8685213"/>
+            <a:ext cx="2971800" cy="458787"/>
+          </a:xfrm>
+          <a:prstGeom prst="rect">
+            <a:avLst/>
+          </a:prstGeom>
+        </p:spPr>
+        <p:txBody>
+          <a:bodyPr vert="horz" lIns="91440" tIns="45720" rIns="91440" bIns="45720" rtlCol="0" anchor="b"/>
+          <a:lstStyle>
+            <a:lvl1pPr algn="r">
+              <a:defRPr sz="1200"/>
+            </a:lvl1pPr>
+          </a:lstStyle>
+          <a:p>
+            <a:fld id="{B6777701-A7FE-4D1A-850E-E14694712267}" type="slidenum">
+              <a:rPr lang="zh-CN" altLang="en-US" smtClean="0"/>
+              <a:t>‹#›</a:t>
+            </a:fld>
+            <a:endParaRPr lang="zh-CN" altLang="en-US"/>
+          </a:p>
+        </p:txBody>
+      </p:sp>
+    </p:spTree>
+    <p:extLst>
+      <p:ext uri="{BB962C8B-B14F-4D97-AF65-F5344CB8AC3E}">
+        <p14:creationId xmlns:p14="http://schemas.microsoft.com/office/powerpoint/2010/main" val="2435790772"/>
+      </p:ext>
+    </p:extLst>
+  </p:cSld>
+  <p:clrMap bg1="lt1" tx1="dk1" bg2="lt2" tx2="dk2" accent1="accent1" accent2="accent2" accent3="accent3" accent4="accent4" accent5="accent5" accent6="accent6" hlink="hlink" folHlink="folHlink"/>
+  <p:notesStyle>
+    <a:lvl1pPr marL="0" algn="l" defTabSz="914400" rtl="0" eaLnBrk="1" latinLnBrk="0" hangingPunct="1">
+      <a:defRPr sz="1200" kern="1200">
+        <a:solidFill>
+          <a:schemeClr val="tx1"/>
+        </a:solidFill>
+        <a:latin typeface="+mn-lt"/>
+        <a:ea typeface="+mn-ea"/>
+        <a:cs typeface="+mn-cs"/>
+      </a:defRPr>
+    </a:lvl1pPr>
+    <a:lvl2pPr marL="457200" algn="l" defTabSz="914400" rtl="0" eaLnBrk="1" latinLnBrk="0" hangingPunct="1">
+      <a:defRPr sz="1200" kern="1200">
+        <a:solidFill>
+          <a:schemeClr val="tx1"/>
+        </a:solidFill>
+        <a:latin typeface="+mn-lt"/>
+        <a:ea typeface="+mn-ea"/>
+        <a:cs typeface="+mn-cs"/>
+      </a:defRPr>
+    </a:lvl2pPr>
+    <a:lvl3pPr marL="914400" algn="l" defTabSz="914400" rtl="0" eaLnBrk="1" latinLnBrk="0" hangingPunct="1">
+      <a:defRPr sz="1200" kern="1200">
+        <a:solidFill>
+          <a:schemeClr val="tx1"/>
+        </a:solidFill>
+        <a:latin typeface="+mn-lt"/>
+        <a:ea typeface="+mn-ea"/>
+        <a:cs typeface="+mn-cs"/>
+      </a:defRPr>
+    </a:lvl3pPr>
+    <a:lvl4pPr marL="1371600" algn="l" defTabSz="914400" rtl="0" eaLnBrk="1" latinLnBrk="0" hangingPunct="1">
+      <a:defRPr sz="1200" kern="1200">
+        <a:solidFill>
+          <a:schemeClr val="tx1"/>
+        </a:solidFill>
+        <a:latin typeface="+mn-lt"/>
+        <a:ea typeface="+mn-ea"/>
+        <a:cs typeface="+mn-cs"/>
+      </a:defRPr>
+    </a:lvl4pPr>
+    <a:lvl5pPr marL="1828800" algn="l" defTabSz="914400" rtl="0" eaLnBrk="1" latinLnBrk="0" hangingPunct="1">
+      <a:defRPr sz="1200" kern="1200">
+        <a:solidFill>
+          <a:schemeClr val="tx1"/>
+        </a:solidFill>
+        <a:latin typeface="+mn-lt"/>
+        <a:ea typeface="+mn-ea"/>
+        <a:cs typeface="+mn-cs"/>
+      </a:defRPr>
+    </a:lvl5pPr>
+    <a:lvl6pPr marL="2286000" algn="l" defTabSz="914400" rtl="0" eaLnBrk="1" latinLnBrk="0" hangingPunct="1">
+      <a:defRPr sz="1200" kern="1200">
+        <a:solidFill>
+          <a:schemeClr val="tx1"/>
+        </a:solidFill>
+        <a:latin typeface="+mn-lt"/>
+        <a:ea typeface="+mn-ea"/>
+        <a:cs typeface="+mn-cs"/>
+      </a:defRPr>
+    </a:lvl6pPr>
+    <a:lvl7pPr marL="2743200" algn="l" defTabSz="914400" rtl="0" eaLnBrk="1" latinLnBrk="0" hangingPunct="1">
+      <a:defRPr sz="1200" kern="1200">
+        <a:solidFill>
+          <a:schemeClr val="tx1"/>
+        </a:solidFill>
+        <a:latin typeface="+mn-lt"/>
+        <a:ea typeface="+mn-ea"/>
+        <a:cs typeface="+mn-cs"/>
+      </a:defRPr>
+    </a:lvl7pPr>
+    <a:lvl8pPr marL="3200400" algn="l" defTabSz="914400" rtl="0" eaLnBrk="1" latinLnBrk="0" hangingPunct="1">
+      <a:defRPr sz="1200" kern="1200">
+        <a:solidFill>
+          <a:schemeClr val="tx1"/>
+        </a:solidFill>
+        <a:latin typeface="+mn-lt"/>
+        <a:ea typeface="+mn-ea"/>
+        <a:cs typeface="+mn-cs"/>
+      </a:defRPr>
+    </a:lvl8pPr>
+    <a:lvl9pPr marL="3657600" algn="l" defTabSz="914400" rtl="0" eaLnBrk="1" latinLnBrk="0" hangingPunct="1">
+      <a:defRPr sz="1200" kern="1200">
+        <a:solidFill>
+          <a:schemeClr val="tx1"/>
+        </a:solidFill>
+        <a:latin typeface="+mn-lt"/>
+        <a:ea typeface="+mn-ea"/>
+        <a:cs typeface="+mn-cs"/>
+      </a:defRPr>
+    </a:lvl9pPr>
+  </p:notesStyle>
+</p:notesMaster>
+</file>
+
 <file path=ppt/slideLayouts/slideLayout1.xml><?xml version="1.0" encoding="utf-8"?>
 <p:sldLayout xmlns:a="http://schemas.openxmlformats.org/drawingml/2006/main" xmlns:r="http://schemas.openxmlformats.org/officeDocument/2006/relationships" xmlns:p="http://schemas.openxmlformats.org/presentationml/2006/main" type="title" preserve="1">
   <p:cSld name="标题幻灯片">
@@ -260,7 +613,7 @@
           <a:p>
             <a:fld id="{A8C52D35-E9E9-47B1-A7E4-E5A406F49528}" type="datetimeFigureOut">
               <a:rPr lang="zh-CN" altLang="en-US" smtClean="0"/>
-              <a:t>2020/4/24</a:t>
+              <a:t>2020/4/25</a:t>
             </a:fld>
             <a:endParaRPr lang="zh-CN" altLang="en-US"/>
           </a:p>
@@ -458,7 +811,7 @@
           <a:p>
             <a:fld id="{A8C52D35-E9E9-47B1-A7E4-E5A406F49528}" type="datetimeFigureOut">
               <a:rPr lang="zh-CN" altLang="en-US" smtClean="0"/>
-              <a:t>2020/4/24</a:t>
+              <a:t>2020/4/25</a:t>
             </a:fld>
             <a:endParaRPr lang="zh-CN" altLang="en-US"/>
           </a:p>
@@ -666,7 +1019,7 @@
           <a:p>
             <a:fld id="{A8C52D35-E9E9-47B1-A7E4-E5A406F49528}" type="datetimeFigureOut">
               <a:rPr lang="zh-CN" altLang="en-US" smtClean="0"/>
-              <a:t>2020/4/24</a:t>
+              <a:t>2020/4/25</a:t>
             </a:fld>
             <a:endParaRPr lang="zh-CN" altLang="en-US"/>
           </a:p>
@@ -864,7 +1217,7 @@
           <a:p>
             <a:fld id="{A8C52D35-E9E9-47B1-A7E4-E5A406F49528}" type="datetimeFigureOut">
               <a:rPr lang="zh-CN" altLang="en-US" smtClean="0"/>
-              <a:t>2020/4/24</a:t>
+              <a:t>2020/4/25</a:t>
             </a:fld>
             <a:endParaRPr lang="zh-CN" altLang="en-US"/>
           </a:p>
@@ -1139,7 +1492,7 @@
           <a:p>
             <a:fld id="{A8C52D35-E9E9-47B1-A7E4-E5A406F49528}" type="datetimeFigureOut">
               <a:rPr lang="zh-CN" altLang="en-US" smtClean="0"/>
-              <a:t>2020/4/24</a:t>
+              <a:t>2020/4/25</a:t>
             </a:fld>
             <a:endParaRPr lang="zh-CN" altLang="en-US"/>
           </a:p>
@@ -1404,7 +1757,7 @@
           <a:p>
             <a:fld id="{A8C52D35-E9E9-47B1-A7E4-E5A406F49528}" type="datetimeFigureOut">
               <a:rPr lang="zh-CN" altLang="en-US" smtClean="0"/>
-              <a:t>2020/4/24</a:t>
+              <a:t>2020/4/25</a:t>
             </a:fld>
             <a:endParaRPr lang="zh-CN" altLang="en-US"/>
           </a:p>
@@ -1816,7 +2169,7 @@
           <a:p>
             <a:fld id="{A8C52D35-E9E9-47B1-A7E4-E5A406F49528}" type="datetimeFigureOut">
               <a:rPr lang="zh-CN" altLang="en-US" smtClean="0"/>
-              <a:t>2020/4/24</a:t>
+              <a:t>2020/4/25</a:t>
             </a:fld>
             <a:endParaRPr lang="zh-CN" altLang="en-US"/>
           </a:p>
@@ -1957,7 +2310,7 @@
           <a:p>
             <a:fld id="{A8C52D35-E9E9-47B1-A7E4-E5A406F49528}" type="datetimeFigureOut">
               <a:rPr lang="zh-CN" altLang="en-US" smtClean="0"/>
-              <a:t>2020/4/24</a:t>
+              <a:t>2020/4/25</a:t>
             </a:fld>
             <a:endParaRPr lang="zh-CN" altLang="en-US"/>
           </a:p>
@@ -2070,7 +2423,7 @@
           <a:p>
             <a:fld id="{A8C52D35-E9E9-47B1-A7E4-E5A406F49528}" type="datetimeFigureOut">
               <a:rPr lang="zh-CN" altLang="en-US" smtClean="0"/>
-              <a:t>2020/4/24</a:t>
+              <a:t>2020/4/25</a:t>
             </a:fld>
             <a:endParaRPr lang="zh-CN" altLang="en-US"/>
           </a:p>
@@ -2381,7 +2734,7 @@
           <a:p>
             <a:fld id="{A8C52D35-E9E9-47B1-A7E4-E5A406F49528}" type="datetimeFigureOut">
               <a:rPr lang="zh-CN" altLang="en-US" smtClean="0"/>
-              <a:t>2020/4/24</a:t>
+              <a:t>2020/4/25</a:t>
             </a:fld>
             <a:endParaRPr lang="zh-CN" altLang="en-US"/>
           </a:p>
@@ -2669,7 +3022,7 @@
           <a:p>
             <a:fld id="{A8C52D35-E9E9-47B1-A7E4-E5A406F49528}" type="datetimeFigureOut">
               <a:rPr lang="zh-CN" altLang="en-US" smtClean="0"/>
-              <a:t>2020/4/24</a:t>
+              <a:t>2020/4/25</a:t>
             </a:fld>
             <a:endParaRPr lang="zh-CN" altLang="en-US"/>
           </a:p>
@@ -2910,7 +3263,7 @@
           <a:p>
             <a:fld id="{A8C52D35-E9E9-47B1-A7E4-E5A406F49528}" type="datetimeFigureOut">
               <a:rPr lang="zh-CN" altLang="en-US" smtClean="0"/>
-              <a:t>2020/4/24</a:t>
+              <a:t>2020/4/25</a:t>
             </a:fld>
             <a:endParaRPr lang="zh-CN" altLang="en-US"/>
           </a:p>
@@ -5233,6 +5586,3044 @@
 </p:sld>
 </file>
 
+<file path=ppt/slides/slide3.xml><?xml version="1.0" encoding="utf-8"?>
+<p:sld xmlns:a="http://schemas.openxmlformats.org/drawingml/2006/main" xmlns:r="http://schemas.openxmlformats.org/officeDocument/2006/relationships" xmlns:p="http://schemas.openxmlformats.org/presentationml/2006/main">
+  <p:cSld>
+    <p:spTree>
+      <p:nvGrpSpPr>
+        <p:cNvPr id="1" name=""/>
+        <p:cNvGrpSpPr/>
+        <p:nvPr/>
+      </p:nvGrpSpPr>
+      <p:grpSpPr>
+        <a:xfrm>
+          <a:off x="0" y="0"/>
+          <a:ext cx="0" cy="0"/>
+          <a:chOff x="0" y="0"/>
+          <a:chExt cx="0" cy="0"/>
+        </a:xfrm>
+      </p:grpSpPr>
+      <p:sp>
+        <p:nvSpPr>
+          <p:cNvPr id="5" name="平行四边形 4">
+            <a:extLst>
+              <a:ext uri="{FF2B5EF4-FFF2-40B4-BE49-F238E27FC236}">
+                <a16:creationId xmlns:a16="http://schemas.microsoft.com/office/drawing/2014/main" id="{C674E2ED-435C-4E48-B68B-8DADA5316FC0}"/>
+              </a:ext>
+            </a:extLst>
+          </p:cNvPr>
+          <p:cNvSpPr/>
+          <p:nvPr/>
+        </p:nvSpPr>
+        <p:spPr>
+          <a:xfrm>
+            <a:off x="609593" y="5419725"/>
+            <a:ext cx="2733681" cy="1142997"/>
+          </a:xfrm>
+          <a:prstGeom prst="parallelogram">
+            <a:avLst>
+              <a:gd name="adj" fmla="val 68120"/>
+            </a:avLst>
+          </a:prstGeom>
+          <a:solidFill>
+            <a:schemeClr val="accent1">
+              <a:lumMod val="60000"/>
+              <a:lumOff val="40000"/>
+            </a:schemeClr>
+          </a:solidFill>
+          <a:ln w="38100">
+            <a:solidFill>
+              <a:schemeClr val="accent1">
+                <a:lumMod val="60000"/>
+                <a:lumOff val="40000"/>
+              </a:schemeClr>
+            </a:solidFill>
+          </a:ln>
+          <a:scene3d>
+            <a:camera prst="orthographicFront"/>
+            <a:lightRig rig="threePt" dir="t"/>
+          </a:scene3d>
+          <a:sp3d>
+            <a:bevelT prst="relaxedInset"/>
+          </a:sp3d>
+        </p:spPr>
+        <p:style>
+          <a:lnRef idx="2">
+            <a:schemeClr val="accent1">
+              <a:shade val="50000"/>
+            </a:schemeClr>
+          </a:lnRef>
+          <a:fillRef idx="1">
+            <a:schemeClr val="accent1"/>
+          </a:fillRef>
+          <a:effectRef idx="0">
+            <a:schemeClr val="accent1"/>
+          </a:effectRef>
+          <a:fontRef idx="minor">
+            <a:schemeClr val="lt1"/>
+          </a:fontRef>
+        </p:style>
+        <p:txBody>
+          <a:bodyPr rtlCol="0" anchor="ctr"/>
+          <a:lstStyle/>
+          <a:p>
+            <a:pPr algn="ctr"/>
+            <a:endParaRPr lang="zh-CN" altLang="en-US" dirty="0"/>
+          </a:p>
+        </p:txBody>
+      </p:sp>
+      <p:sp>
+        <p:nvSpPr>
+          <p:cNvPr id="20" name="平行四边形 19">
+            <a:extLst>
+              <a:ext uri="{FF2B5EF4-FFF2-40B4-BE49-F238E27FC236}">
+                <a16:creationId xmlns:a16="http://schemas.microsoft.com/office/drawing/2014/main" id="{A12D3CDE-5BBD-4019-9869-4943E5D624CE}"/>
+              </a:ext>
+            </a:extLst>
+          </p:cNvPr>
+          <p:cNvSpPr/>
+          <p:nvPr/>
+        </p:nvSpPr>
+        <p:spPr>
+          <a:xfrm>
+            <a:off x="916780" y="3886200"/>
+            <a:ext cx="2357440" cy="1028700"/>
+          </a:xfrm>
+          <a:prstGeom prst="parallelogram">
+            <a:avLst>
+              <a:gd name="adj" fmla="val 68120"/>
+            </a:avLst>
+          </a:prstGeom>
+          <a:solidFill>
+            <a:schemeClr val="accent1">
+              <a:lumMod val="60000"/>
+              <a:lumOff val="40000"/>
+            </a:schemeClr>
+          </a:solidFill>
+          <a:ln w="38100">
+            <a:solidFill>
+              <a:schemeClr val="accent1">
+                <a:lumMod val="60000"/>
+                <a:lumOff val="40000"/>
+              </a:schemeClr>
+            </a:solidFill>
+          </a:ln>
+          <a:scene3d>
+            <a:camera prst="orthographicFront"/>
+            <a:lightRig rig="threePt" dir="t"/>
+          </a:scene3d>
+          <a:sp3d>
+            <a:bevelT prst="relaxedInset"/>
+          </a:sp3d>
+        </p:spPr>
+        <p:style>
+          <a:lnRef idx="2">
+            <a:schemeClr val="accent1">
+              <a:shade val="50000"/>
+            </a:schemeClr>
+          </a:lnRef>
+          <a:fillRef idx="1">
+            <a:schemeClr val="accent1"/>
+          </a:fillRef>
+          <a:effectRef idx="0">
+            <a:schemeClr val="accent1"/>
+          </a:effectRef>
+          <a:fontRef idx="minor">
+            <a:schemeClr val="lt1"/>
+          </a:fontRef>
+        </p:style>
+        <p:txBody>
+          <a:bodyPr rtlCol="0" anchor="ctr"/>
+          <a:lstStyle/>
+          <a:p>
+            <a:pPr algn="ctr"/>
+            <a:endParaRPr lang="en-US" altLang="zh-CN" sz="1600" dirty="0">
+              <a:solidFill>
+                <a:schemeClr val="tx1"/>
+              </a:solidFill>
+              <a:latin typeface="Times New Roman" panose="02020603050405020304" pitchFamily="18" charset="0"/>
+              <a:cs typeface="Times New Roman" panose="02020603050405020304" pitchFamily="18" charset="0"/>
+            </a:endParaRPr>
+          </a:p>
+        </p:txBody>
+      </p:sp>
+      <p:sp>
+        <p:nvSpPr>
+          <p:cNvPr id="25" name="平行四边形 24">
+            <a:extLst>
+              <a:ext uri="{FF2B5EF4-FFF2-40B4-BE49-F238E27FC236}">
+                <a16:creationId xmlns:a16="http://schemas.microsoft.com/office/drawing/2014/main" id="{946726C7-8B33-4E64-A7D2-CB36A15E48BD}"/>
+              </a:ext>
+            </a:extLst>
+          </p:cNvPr>
+          <p:cNvSpPr/>
+          <p:nvPr/>
+        </p:nvSpPr>
+        <p:spPr>
+          <a:xfrm>
+            <a:off x="1295400" y="2428876"/>
+            <a:ext cx="1883570" cy="857249"/>
+          </a:xfrm>
+          <a:prstGeom prst="parallelogram">
+            <a:avLst>
+              <a:gd name="adj" fmla="val 68120"/>
+            </a:avLst>
+          </a:prstGeom>
+          <a:solidFill>
+            <a:schemeClr val="accent1">
+              <a:lumMod val="60000"/>
+              <a:lumOff val="40000"/>
+            </a:schemeClr>
+          </a:solidFill>
+          <a:ln w="38100">
+            <a:solidFill>
+              <a:schemeClr val="accent1">
+                <a:lumMod val="60000"/>
+                <a:lumOff val="40000"/>
+              </a:schemeClr>
+            </a:solidFill>
+          </a:ln>
+          <a:scene3d>
+            <a:camera prst="orthographicFront"/>
+            <a:lightRig rig="threePt" dir="t"/>
+          </a:scene3d>
+          <a:sp3d>
+            <a:bevelT prst="relaxedInset"/>
+          </a:sp3d>
+        </p:spPr>
+        <p:style>
+          <a:lnRef idx="2">
+            <a:schemeClr val="accent1">
+              <a:shade val="50000"/>
+            </a:schemeClr>
+          </a:lnRef>
+          <a:fillRef idx="1">
+            <a:schemeClr val="accent1"/>
+          </a:fillRef>
+          <a:effectRef idx="0">
+            <a:schemeClr val="accent1"/>
+          </a:effectRef>
+          <a:fontRef idx="minor">
+            <a:schemeClr val="lt1"/>
+          </a:fontRef>
+        </p:style>
+        <p:txBody>
+          <a:bodyPr rtlCol="0" anchor="ctr"/>
+          <a:lstStyle/>
+          <a:p>
+            <a:pPr algn="ctr"/>
+            <a:endParaRPr lang="en-US" altLang="zh-CN" sz="1400" dirty="0">
+              <a:solidFill>
+                <a:schemeClr val="tx1"/>
+              </a:solidFill>
+              <a:latin typeface="Times New Roman" panose="02020603050405020304" pitchFamily="18" charset="0"/>
+              <a:cs typeface="Times New Roman" panose="02020603050405020304" pitchFamily="18" charset="0"/>
+            </a:endParaRPr>
+          </a:p>
+        </p:txBody>
+      </p:sp>
+      <p:sp>
+        <p:nvSpPr>
+          <p:cNvPr id="40" name="平行四边形 39">
+            <a:extLst>
+              <a:ext uri="{FF2B5EF4-FFF2-40B4-BE49-F238E27FC236}">
+                <a16:creationId xmlns:a16="http://schemas.microsoft.com/office/drawing/2014/main" id="{D20CC2DE-7DA3-4628-8909-41EDB707E737}"/>
+              </a:ext>
+            </a:extLst>
+          </p:cNvPr>
+          <p:cNvSpPr/>
+          <p:nvPr/>
+        </p:nvSpPr>
+        <p:spPr>
+          <a:xfrm>
+            <a:off x="4065804" y="5419725"/>
+            <a:ext cx="2733681" cy="1142997"/>
+          </a:xfrm>
+          <a:prstGeom prst="parallelogram">
+            <a:avLst>
+              <a:gd name="adj" fmla="val 68120"/>
+            </a:avLst>
+          </a:prstGeom>
+          <a:solidFill>
+            <a:schemeClr val="accent6">
+              <a:lumMod val="60000"/>
+              <a:lumOff val="40000"/>
+            </a:schemeClr>
+          </a:solidFill>
+          <a:ln w="38100">
+            <a:solidFill>
+              <a:schemeClr val="accent6">
+                <a:lumMod val="60000"/>
+                <a:lumOff val="40000"/>
+              </a:schemeClr>
+            </a:solidFill>
+          </a:ln>
+          <a:scene3d>
+            <a:camera prst="orthographicFront"/>
+            <a:lightRig rig="threePt" dir="t"/>
+          </a:scene3d>
+          <a:sp3d>
+            <a:bevelT prst="relaxedInset"/>
+          </a:sp3d>
+        </p:spPr>
+        <p:style>
+          <a:lnRef idx="2">
+            <a:schemeClr val="accent1">
+              <a:shade val="50000"/>
+            </a:schemeClr>
+          </a:lnRef>
+          <a:fillRef idx="1">
+            <a:schemeClr val="accent1"/>
+          </a:fillRef>
+          <a:effectRef idx="0">
+            <a:schemeClr val="accent1"/>
+          </a:effectRef>
+          <a:fontRef idx="minor">
+            <a:schemeClr val="lt1"/>
+          </a:fontRef>
+        </p:style>
+        <p:txBody>
+          <a:bodyPr rot="0" spcFirstLastPara="0" vertOverflow="overflow" horzOverflow="overflow" vert="horz" wrap="square" lIns="91440" tIns="45720" rIns="91440" bIns="45720" numCol="1" spcCol="0" rtlCol="0" fromWordArt="0" anchor="ctr" anchorCtr="0" forceAA="0" compatLnSpc="1">
+            <a:prstTxWarp prst="textNoShape">
+              <a:avLst/>
+            </a:prstTxWarp>
+            <a:noAutofit/>
+          </a:bodyPr>
+          <a:lstStyle/>
+          <a:p>
+            <a:pPr algn="ctr"/>
+            <a:endParaRPr lang="zh-CN" altLang="en-US" sz="1400" dirty="0">
+              <a:solidFill>
+                <a:schemeClr val="tx1"/>
+              </a:solidFill>
+              <a:latin typeface="Times New Roman" panose="02020603050405020304" pitchFamily="18" charset="0"/>
+              <a:cs typeface="Times New Roman" panose="02020603050405020304" pitchFamily="18" charset="0"/>
+            </a:endParaRPr>
+          </a:p>
+        </p:txBody>
+      </p:sp>
+      <p:sp>
+        <p:nvSpPr>
+          <p:cNvPr id="42" name="平行四边形 41">
+            <a:extLst>
+              <a:ext uri="{FF2B5EF4-FFF2-40B4-BE49-F238E27FC236}">
+                <a16:creationId xmlns:a16="http://schemas.microsoft.com/office/drawing/2014/main" id="{6A4725FA-7741-4645-8096-D55AD1C97F59}"/>
+              </a:ext>
+            </a:extLst>
+          </p:cNvPr>
+          <p:cNvSpPr/>
+          <p:nvPr/>
+        </p:nvSpPr>
+        <p:spPr>
+          <a:xfrm>
+            <a:off x="4372991" y="3886200"/>
+            <a:ext cx="2357440" cy="1028700"/>
+          </a:xfrm>
+          <a:prstGeom prst="parallelogram">
+            <a:avLst>
+              <a:gd name="adj" fmla="val 68120"/>
+            </a:avLst>
+          </a:prstGeom>
+          <a:solidFill>
+            <a:schemeClr val="accent6">
+              <a:lumMod val="60000"/>
+              <a:lumOff val="40000"/>
+            </a:schemeClr>
+          </a:solidFill>
+          <a:ln w="38100">
+            <a:solidFill>
+              <a:schemeClr val="accent6">
+                <a:lumMod val="60000"/>
+                <a:lumOff val="40000"/>
+              </a:schemeClr>
+            </a:solidFill>
+          </a:ln>
+          <a:scene3d>
+            <a:camera prst="orthographicFront"/>
+            <a:lightRig rig="threePt" dir="t"/>
+          </a:scene3d>
+          <a:sp3d>
+            <a:bevelT prst="relaxedInset"/>
+          </a:sp3d>
+        </p:spPr>
+        <p:style>
+          <a:lnRef idx="2">
+            <a:schemeClr val="accent1">
+              <a:shade val="50000"/>
+            </a:schemeClr>
+          </a:lnRef>
+          <a:fillRef idx="1">
+            <a:schemeClr val="accent1"/>
+          </a:fillRef>
+          <a:effectRef idx="0">
+            <a:schemeClr val="accent1"/>
+          </a:effectRef>
+          <a:fontRef idx="minor">
+            <a:schemeClr val="lt1"/>
+          </a:fontRef>
+        </p:style>
+        <p:txBody>
+          <a:bodyPr rot="0" spcFirstLastPara="0" vertOverflow="overflow" horzOverflow="overflow" vert="horz" wrap="square" lIns="91440" tIns="45720" rIns="91440" bIns="45720" numCol="1" spcCol="0" rtlCol="0" fromWordArt="0" anchor="ctr" anchorCtr="0" forceAA="0" compatLnSpc="1">
+            <a:prstTxWarp prst="textNoShape">
+              <a:avLst/>
+            </a:prstTxWarp>
+            <a:noAutofit/>
+          </a:bodyPr>
+          <a:lstStyle/>
+          <a:p>
+            <a:pPr algn="ctr"/>
+            <a:endParaRPr lang="en-US" altLang="zh-CN" sz="1400" dirty="0">
+              <a:solidFill>
+                <a:schemeClr val="tx1"/>
+              </a:solidFill>
+              <a:latin typeface="Times New Roman" panose="02020603050405020304" pitchFamily="18" charset="0"/>
+              <a:cs typeface="Times New Roman" panose="02020603050405020304" pitchFamily="18" charset="0"/>
+            </a:endParaRPr>
+          </a:p>
+        </p:txBody>
+      </p:sp>
+      <p:cxnSp>
+        <p:nvCxnSpPr>
+          <p:cNvPr id="43" name="直接箭头连接符 42">
+            <a:extLst>
+              <a:ext uri="{FF2B5EF4-FFF2-40B4-BE49-F238E27FC236}">
+                <a16:creationId xmlns:a16="http://schemas.microsoft.com/office/drawing/2014/main" id="{CD3C696D-A434-4B23-A6EB-C8EFA1B5B23C}"/>
+              </a:ext>
+            </a:extLst>
+          </p:cNvPr>
+          <p:cNvCxnSpPr>
+            <a:cxnSpLocks/>
+          </p:cNvCxnSpPr>
+          <p:nvPr/>
+        </p:nvCxnSpPr>
+        <p:spPr>
+          <a:xfrm>
+            <a:off x="5551710" y="3524251"/>
+            <a:ext cx="0" cy="876299"/>
+          </a:xfrm>
+          <a:prstGeom prst="straightConnector1">
+            <a:avLst/>
+          </a:prstGeom>
+          <a:ln w="60325">
+            <a:solidFill>
+              <a:schemeClr val="accent6">
+                <a:lumMod val="75000"/>
+              </a:schemeClr>
+            </a:solidFill>
+            <a:tailEnd type="triangle"/>
+          </a:ln>
+        </p:spPr>
+        <p:style>
+          <a:lnRef idx="1">
+            <a:schemeClr val="accent1"/>
+          </a:lnRef>
+          <a:fillRef idx="0">
+            <a:schemeClr val="accent1"/>
+          </a:fillRef>
+          <a:effectRef idx="0">
+            <a:schemeClr val="accent1"/>
+          </a:effectRef>
+          <a:fontRef idx="minor">
+            <a:schemeClr val="tx1"/>
+          </a:fontRef>
+        </p:style>
+      </p:cxnSp>
+      <p:sp>
+        <p:nvSpPr>
+          <p:cNvPr id="44" name="平行四边形 43">
+            <a:extLst>
+              <a:ext uri="{FF2B5EF4-FFF2-40B4-BE49-F238E27FC236}">
+                <a16:creationId xmlns:a16="http://schemas.microsoft.com/office/drawing/2014/main" id="{C3148DB8-19E5-4788-A6A1-4BFA1306C803}"/>
+              </a:ext>
+            </a:extLst>
+          </p:cNvPr>
+          <p:cNvSpPr/>
+          <p:nvPr/>
+        </p:nvSpPr>
+        <p:spPr>
+          <a:xfrm>
+            <a:off x="4751611" y="2428876"/>
+            <a:ext cx="1883570" cy="857249"/>
+          </a:xfrm>
+          <a:prstGeom prst="parallelogram">
+            <a:avLst>
+              <a:gd name="adj" fmla="val 68120"/>
+            </a:avLst>
+          </a:prstGeom>
+          <a:solidFill>
+            <a:schemeClr val="accent6">
+              <a:lumMod val="60000"/>
+              <a:lumOff val="40000"/>
+            </a:schemeClr>
+          </a:solidFill>
+          <a:ln w="38100">
+            <a:solidFill>
+              <a:schemeClr val="accent6">
+                <a:lumMod val="60000"/>
+                <a:lumOff val="40000"/>
+              </a:schemeClr>
+            </a:solidFill>
+          </a:ln>
+          <a:scene3d>
+            <a:camera prst="orthographicFront"/>
+            <a:lightRig rig="threePt" dir="t"/>
+          </a:scene3d>
+          <a:sp3d>
+            <a:bevelT prst="relaxedInset"/>
+          </a:sp3d>
+        </p:spPr>
+        <p:style>
+          <a:lnRef idx="2">
+            <a:schemeClr val="accent1">
+              <a:shade val="50000"/>
+            </a:schemeClr>
+          </a:lnRef>
+          <a:fillRef idx="1">
+            <a:schemeClr val="accent1"/>
+          </a:fillRef>
+          <a:effectRef idx="0">
+            <a:schemeClr val="accent1"/>
+          </a:effectRef>
+          <a:fontRef idx="minor">
+            <a:schemeClr val="lt1"/>
+          </a:fontRef>
+        </p:style>
+        <p:txBody>
+          <a:bodyPr rtlCol="0" anchor="ctr"/>
+          <a:lstStyle/>
+          <a:p>
+            <a:pPr algn="ctr"/>
+            <a:endParaRPr lang="en-US" altLang="zh-CN" sz="1400" dirty="0">
+              <a:solidFill>
+                <a:schemeClr val="tx1"/>
+              </a:solidFill>
+              <a:latin typeface="Times New Roman" panose="02020603050405020304" pitchFamily="18" charset="0"/>
+              <a:cs typeface="Times New Roman" panose="02020603050405020304" pitchFamily="18" charset="0"/>
+            </a:endParaRPr>
+          </a:p>
+        </p:txBody>
+      </p:sp>
+      <p:sp>
+        <p:nvSpPr>
+          <p:cNvPr id="45" name="平行四边形 44">
+            <a:extLst>
+              <a:ext uri="{FF2B5EF4-FFF2-40B4-BE49-F238E27FC236}">
+                <a16:creationId xmlns:a16="http://schemas.microsoft.com/office/drawing/2014/main" id="{97E26BF5-4C6B-4D5F-A702-3958E51D681F}"/>
+              </a:ext>
+            </a:extLst>
+          </p:cNvPr>
+          <p:cNvSpPr/>
+          <p:nvPr/>
+        </p:nvSpPr>
+        <p:spPr>
+          <a:xfrm>
+            <a:off x="7524401" y="5429885"/>
+            <a:ext cx="2733681" cy="1142997"/>
+          </a:xfrm>
+          <a:prstGeom prst="parallelogram">
+            <a:avLst>
+              <a:gd name="adj" fmla="val 68120"/>
+            </a:avLst>
+          </a:prstGeom>
+          <a:solidFill>
+            <a:schemeClr val="accent2">
+              <a:lumMod val="60000"/>
+              <a:lumOff val="40000"/>
+            </a:schemeClr>
+          </a:solidFill>
+          <a:ln w="38100">
+            <a:solidFill>
+              <a:schemeClr val="accent2">
+                <a:lumMod val="60000"/>
+                <a:lumOff val="40000"/>
+              </a:schemeClr>
+            </a:solidFill>
+          </a:ln>
+          <a:scene3d>
+            <a:camera prst="orthographicFront"/>
+            <a:lightRig rig="threePt" dir="t"/>
+          </a:scene3d>
+          <a:sp3d>
+            <a:bevelT prst="relaxedInset"/>
+          </a:sp3d>
+        </p:spPr>
+        <p:style>
+          <a:lnRef idx="2">
+            <a:schemeClr val="accent1">
+              <a:shade val="50000"/>
+            </a:schemeClr>
+          </a:lnRef>
+          <a:fillRef idx="1">
+            <a:schemeClr val="accent1"/>
+          </a:fillRef>
+          <a:effectRef idx="0">
+            <a:schemeClr val="accent1"/>
+          </a:effectRef>
+          <a:fontRef idx="minor">
+            <a:schemeClr val="lt1"/>
+          </a:fontRef>
+        </p:style>
+        <p:txBody>
+          <a:bodyPr rtlCol="0" anchor="ctr"/>
+          <a:lstStyle/>
+          <a:p>
+            <a:pPr algn="ctr"/>
+            <a:endParaRPr lang="zh-CN" altLang="en-US" dirty="0"/>
+          </a:p>
+        </p:txBody>
+      </p:sp>
+      <p:sp>
+        <p:nvSpPr>
+          <p:cNvPr id="47" name="平行四边形 46">
+            <a:extLst>
+              <a:ext uri="{FF2B5EF4-FFF2-40B4-BE49-F238E27FC236}">
+                <a16:creationId xmlns:a16="http://schemas.microsoft.com/office/drawing/2014/main" id="{A76E9C23-7A8B-4D4F-8CD3-365078DB4C1B}"/>
+              </a:ext>
+            </a:extLst>
+          </p:cNvPr>
+          <p:cNvSpPr/>
+          <p:nvPr/>
+        </p:nvSpPr>
+        <p:spPr>
+          <a:xfrm>
+            <a:off x="7831588" y="3896360"/>
+            <a:ext cx="2357440" cy="1028700"/>
+          </a:xfrm>
+          <a:prstGeom prst="parallelogram">
+            <a:avLst>
+              <a:gd name="adj" fmla="val 68120"/>
+            </a:avLst>
+          </a:prstGeom>
+          <a:solidFill>
+            <a:schemeClr val="accent2">
+              <a:lumMod val="60000"/>
+              <a:lumOff val="40000"/>
+            </a:schemeClr>
+          </a:solidFill>
+          <a:ln w="38100">
+            <a:solidFill>
+              <a:schemeClr val="accent2">
+                <a:lumMod val="60000"/>
+                <a:lumOff val="40000"/>
+              </a:schemeClr>
+            </a:solidFill>
+          </a:ln>
+          <a:scene3d>
+            <a:camera prst="orthographicFront"/>
+            <a:lightRig rig="threePt" dir="t"/>
+          </a:scene3d>
+          <a:sp3d>
+            <a:bevelT prst="relaxedInset"/>
+          </a:sp3d>
+        </p:spPr>
+        <p:style>
+          <a:lnRef idx="2">
+            <a:schemeClr val="accent1">
+              <a:shade val="50000"/>
+            </a:schemeClr>
+          </a:lnRef>
+          <a:fillRef idx="1">
+            <a:schemeClr val="accent1"/>
+          </a:fillRef>
+          <a:effectRef idx="0">
+            <a:schemeClr val="accent1"/>
+          </a:effectRef>
+          <a:fontRef idx="minor">
+            <a:schemeClr val="lt1"/>
+          </a:fontRef>
+        </p:style>
+        <p:txBody>
+          <a:bodyPr rot="0" spcFirstLastPara="0" vertOverflow="overflow" horzOverflow="overflow" vert="horz" wrap="square" lIns="91440" tIns="45720" rIns="91440" bIns="45720" numCol="1" spcCol="0" rtlCol="0" fromWordArt="0" anchor="ctr" anchorCtr="0" forceAA="0" compatLnSpc="1">
+            <a:prstTxWarp prst="textNoShape">
+              <a:avLst/>
+            </a:prstTxWarp>
+            <a:noAutofit/>
+          </a:bodyPr>
+          <a:lstStyle/>
+          <a:p>
+            <a:pPr algn="ctr"/>
+            <a:endParaRPr lang="en-US" altLang="zh-CN" dirty="0"/>
+          </a:p>
+        </p:txBody>
+      </p:sp>
+      <p:sp>
+        <p:nvSpPr>
+          <p:cNvPr id="49" name="平行四边形 48">
+            <a:extLst>
+              <a:ext uri="{FF2B5EF4-FFF2-40B4-BE49-F238E27FC236}">
+                <a16:creationId xmlns:a16="http://schemas.microsoft.com/office/drawing/2014/main" id="{ABC92EA1-2D1F-4F41-B827-9CA6FF34B637}"/>
+              </a:ext>
+            </a:extLst>
+          </p:cNvPr>
+          <p:cNvSpPr/>
+          <p:nvPr/>
+        </p:nvSpPr>
+        <p:spPr>
+          <a:xfrm>
+            <a:off x="8210208" y="2439036"/>
+            <a:ext cx="1883570" cy="857249"/>
+          </a:xfrm>
+          <a:prstGeom prst="parallelogram">
+            <a:avLst>
+              <a:gd name="adj" fmla="val 68120"/>
+            </a:avLst>
+          </a:prstGeom>
+          <a:solidFill>
+            <a:schemeClr val="accent2">
+              <a:lumMod val="60000"/>
+              <a:lumOff val="40000"/>
+            </a:schemeClr>
+          </a:solidFill>
+          <a:ln w="38100">
+            <a:solidFill>
+              <a:schemeClr val="accent2">
+                <a:lumMod val="60000"/>
+                <a:lumOff val="40000"/>
+              </a:schemeClr>
+            </a:solidFill>
+          </a:ln>
+          <a:scene3d>
+            <a:camera prst="orthographicFront"/>
+            <a:lightRig rig="threePt" dir="t"/>
+          </a:scene3d>
+          <a:sp3d>
+            <a:bevelT prst="relaxedInset"/>
+          </a:sp3d>
+        </p:spPr>
+        <p:style>
+          <a:lnRef idx="2">
+            <a:schemeClr val="accent1">
+              <a:shade val="50000"/>
+            </a:schemeClr>
+          </a:lnRef>
+          <a:fillRef idx="1">
+            <a:schemeClr val="accent1"/>
+          </a:fillRef>
+          <a:effectRef idx="0">
+            <a:schemeClr val="accent1"/>
+          </a:effectRef>
+          <a:fontRef idx="minor">
+            <a:schemeClr val="lt1"/>
+          </a:fontRef>
+        </p:style>
+        <p:txBody>
+          <a:bodyPr rot="0" spcFirstLastPara="0" vertOverflow="overflow" horzOverflow="overflow" vert="horz" wrap="square" lIns="91440" tIns="45720" rIns="91440" bIns="45720" numCol="1" spcCol="0" rtlCol="0" fromWordArt="0" anchor="ctr" anchorCtr="0" forceAA="0" compatLnSpc="1">
+            <a:prstTxWarp prst="textNoShape">
+              <a:avLst/>
+            </a:prstTxWarp>
+            <a:noAutofit/>
+          </a:bodyPr>
+          <a:lstStyle/>
+          <a:p>
+            <a:pPr algn="ctr"/>
+            <a:endParaRPr lang="en-US" altLang="zh-CN" dirty="0"/>
+          </a:p>
+        </p:txBody>
+      </p:sp>
+      <p:sp>
+        <p:nvSpPr>
+          <p:cNvPr id="54" name="平行四边形 53">
+            <a:extLst>
+              <a:ext uri="{FF2B5EF4-FFF2-40B4-BE49-F238E27FC236}">
+                <a16:creationId xmlns:a16="http://schemas.microsoft.com/office/drawing/2014/main" id="{2F6D03A7-842A-4C15-B25D-6F3632FF27A9}"/>
+              </a:ext>
+            </a:extLst>
+          </p:cNvPr>
+          <p:cNvSpPr/>
+          <p:nvPr/>
+        </p:nvSpPr>
+        <p:spPr>
+          <a:xfrm>
+            <a:off x="8392843" y="1262698"/>
+            <a:ext cx="1544488" cy="714375"/>
+          </a:xfrm>
+          <a:prstGeom prst="parallelogram">
+            <a:avLst>
+              <a:gd name="adj" fmla="val 68120"/>
+            </a:avLst>
+          </a:prstGeom>
+          <a:solidFill>
+            <a:schemeClr val="accent2">
+              <a:lumMod val="60000"/>
+              <a:lumOff val="40000"/>
+            </a:schemeClr>
+          </a:solidFill>
+          <a:ln w="38100">
+            <a:solidFill>
+              <a:schemeClr val="accent2">
+                <a:lumMod val="60000"/>
+                <a:lumOff val="40000"/>
+              </a:schemeClr>
+            </a:solidFill>
+          </a:ln>
+          <a:scene3d>
+            <a:camera prst="orthographicFront"/>
+            <a:lightRig rig="threePt" dir="t"/>
+          </a:scene3d>
+          <a:sp3d>
+            <a:bevelT prst="relaxedInset"/>
+          </a:sp3d>
+        </p:spPr>
+        <p:style>
+          <a:lnRef idx="2">
+            <a:schemeClr val="accent1">
+              <a:shade val="50000"/>
+            </a:schemeClr>
+          </a:lnRef>
+          <a:fillRef idx="1">
+            <a:schemeClr val="accent1"/>
+          </a:fillRef>
+          <a:effectRef idx="0">
+            <a:schemeClr val="accent1"/>
+          </a:effectRef>
+          <a:fontRef idx="minor">
+            <a:schemeClr val="lt1"/>
+          </a:fontRef>
+        </p:style>
+        <p:txBody>
+          <a:bodyPr rot="0" spcFirstLastPara="0" vertOverflow="overflow" horzOverflow="overflow" vert="horz" wrap="square" lIns="91440" tIns="45720" rIns="91440" bIns="45720" numCol="1" spcCol="0" rtlCol="0" fromWordArt="0" anchor="ctr" anchorCtr="0" forceAA="0" compatLnSpc="1">
+            <a:prstTxWarp prst="textNoShape">
+              <a:avLst/>
+            </a:prstTxWarp>
+            <a:noAutofit/>
+          </a:bodyPr>
+          <a:lstStyle/>
+          <a:p>
+            <a:pPr algn="ctr"/>
+            <a:endParaRPr lang="en-US" altLang="zh-CN" dirty="0"/>
+          </a:p>
+        </p:txBody>
+      </p:sp>
+      <p:sp>
+        <p:nvSpPr>
+          <p:cNvPr id="56" name="平行四边形 55">
+            <a:extLst>
+              <a:ext uri="{FF2B5EF4-FFF2-40B4-BE49-F238E27FC236}">
+                <a16:creationId xmlns:a16="http://schemas.microsoft.com/office/drawing/2014/main" id="{CFE41329-6207-40F4-864F-528C2DA5DF0F}"/>
+              </a:ext>
+            </a:extLst>
+          </p:cNvPr>
+          <p:cNvSpPr/>
+          <p:nvPr/>
+        </p:nvSpPr>
+        <p:spPr>
+          <a:xfrm>
+            <a:off x="8699827" y="195898"/>
+            <a:ext cx="1023941" cy="466725"/>
+          </a:xfrm>
+          <a:prstGeom prst="parallelogram">
+            <a:avLst>
+              <a:gd name="adj" fmla="val 68120"/>
+            </a:avLst>
+          </a:prstGeom>
+          <a:solidFill>
+            <a:schemeClr val="accent2">
+              <a:lumMod val="60000"/>
+              <a:lumOff val="40000"/>
+            </a:schemeClr>
+          </a:solidFill>
+          <a:ln w="38100">
+            <a:solidFill>
+              <a:schemeClr val="accent2">
+                <a:lumMod val="60000"/>
+                <a:lumOff val="40000"/>
+              </a:schemeClr>
+            </a:solidFill>
+          </a:ln>
+          <a:scene3d>
+            <a:camera prst="orthographicFront"/>
+            <a:lightRig rig="threePt" dir="t"/>
+          </a:scene3d>
+          <a:sp3d>
+            <a:bevelT prst="relaxedInset"/>
+          </a:sp3d>
+        </p:spPr>
+        <p:style>
+          <a:lnRef idx="2">
+            <a:schemeClr val="accent1">
+              <a:shade val="50000"/>
+            </a:schemeClr>
+          </a:lnRef>
+          <a:fillRef idx="1">
+            <a:schemeClr val="accent1"/>
+          </a:fillRef>
+          <a:effectRef idx="0">
+            <a:schemeClr val="accent1"/>
+          </a:effectRef>
+          <a:fontRef idx="minor">
+            <a:schemeClr val="lt1"/>
+          </a:fontRef>
+        </p:style>
+        <p:txBody>
+          <a:bodyPr rot="0" spcFirstLastPara="0" vertOverflow="overflow" horzOverflow="overflow" vert="horz" wrap="square" lIns="91440" tIns="45720" rIns="91440" bIns="45720" numCol="1" spcCol="0" rtlCol="0" fromWordArt="0" anchor="ctr" anchorCtr="0" forceAA="0" compatLnSpc="1">
+            <a:prstTxWarp prst="textNoShape">
+              <a:avLst/>
+            </a:prstTxWarp>
+            <a:noAutofit/>
+          </a:bodyPr>
+          <a:lstStyle/>
+          <a:p>
+            <a:pPr algn="ctr"/>
+            <a:endParaRPr lang="en-US" altLang="zh-CN" dirty="0"/>
+          </a:p>
+        </p:txBody>
+      </p:sp>
+      <p:cxnSp>
+        <p:nvCxnSpPr>
+          <p:cNvPr id="59" name="直接箭头连接符 58">
+            <a:extLst>
+              <a:ext uri="{FF2B5EF4-FFF2-40B4-BE49-F238E27FC236}">
+                <a16:creationId xmlns:a16="http://schemas.microsoft.com/office/drawing/2014/main" id="{61EF610D-4D92-45ED-9D20-238E12EFD7CD}"/>
+              </a:ext>
+            </a:extLst>
+          </p:cNvPr>
+          <p:cNvCxnSpPr>
+            <a:cxnSpLocks/>
+            <a:stCxn id="25" idx="2"/>
+            <a:endCxn id="44" idx="5"/>
+          </p:cNvCxnSpPr>
+          <p:nvPr/>
+        </p:nvCxnSpPr>
+        <p:spPr>
+          <a:xfrm>
+            <a:off x="2886991" y="2857501"/>
+            <a:ext cx="2156599" cy="0"/>
+          </a:xfrm>
+          <a:prstGeom prst="straightConnector1">
+            <a:avLst/>
+          </a:prstGeom>
+          <a:ln w="60325">
+            <a:solidFill>
+              <a:schemeClr val="accent1">
+                <a:lumMod val="75000"/>
+              </a:schemeClr>
+            </a:solidFill>
+            <a:tailEnd type="triangle"/>
+          </a:ln>
+        </p:spPr>
+        <p:style>
+          <a:lnRef idx="1">
+            <a:schemeClr val="accent1"/>
+          </a:lnRef>
+          <a:fillRef idx="0">
+            <a:schemeClr val="accent1"/>
+          </a:fillRef>
+          <a:effectRef idx="0">
+            <a:schemeClr val="accent1"/>
+          </a:effectRef>
+          <a:fontRef idx="minor">
+            <a:schemeClr val="tx1"/>
+          </a:fontRef>
+        </p:style>
+      </p:cxnSp>
+      <p:cxnSp>
+        <p:nvCxnSpPr>
+          <p:cNvPr id="64" name="直接箭头连接符 63">
+            <a:extLst>
+              <a:ext uri="{FF2B5EF4-FFF2-40B4-BE49-F238E27FC236}">
+                <a16:creationId xmlns:a16="http://schemas.microsoft.com/office/drawing/2014/main" id="{C31C242C-41F1-45AC-AD3E-D4E8B65D8FBA}"/>
+              </a:ext>
+            </a:extLst>
+          </p:cNvPr>
+          <p:cNvCxnSpPr>
+            <a:cxnSpLocks/>
+            <a:stCxn id="20" idx="2"/>
+            <a:endCxn id="42" idx="5"/>
+          </p:cNvCxnSpPr>
+          <p:nvPr/>
+        </p:nvCxnSpPr>
+        <p:spPr>
+          <a:xfrm>
+            <a:off x="2923845" y="4400550"/>
+            <a:ext cx="1799521" cy="0"/>
+          </a:xfrm>
+          <a:prstGeom prst="straightConnector1">
+            <a:avLst/>
+          </a:prstGeom>
+          <a:ln w="60325">
+            <a:solidFill>
+              <a:schemeClr val="accent1">
+                <a:lumMod val="75000"/>
+              </a:schemeClr>
+            </a:solidFill>
+            <a:tailEnd type="triangle"/>
+          </a:ln>
+        </p:spPr>
+        <p:style>
+          <a:lnRef idx="1">
+            <a:schemeClr val="accent1"/>
+          </a:lnRef>
+          <a:fillRef idx="0">
+            <a:schemeClr val="accent1"/>
+          </a:fillRef>
+          <a:effectRef idx="0">
+            <a:schemeClr val="accent1"/>
+          </a:effectRef>
+          <a:fontRef idx="minor">
+            <a:schemeClr val="tx1"/>
+          </a:fontRef>
+        </p:style>
+      </p:cxnSp>
+      <p:cxnSp>
+        <p:nvCxnSpPr>
+          <p:cNvPr id="67" name="直接箭头连接符 66">
+            <a:extLst>
+              <a:ext uri="{FF2B5EF4-FFF2-40B4-BE49-F238E27FC236}">
+                <a16:creationId xmlns:a16="http://schemas.microsoft.com/office/drawing/2014/main" id="{1B8F1A08-D845-443E-9566-136F410E4E2A}"/>
+              </a:ext>
+            </a:extLst>
+          </p:cNvPr>
+          <p:cNvCxnSpPr>
+            <a:cxnSpLocks/>
+            <a:stCxn id="5" idx="2"/>
+            <a:endCxn id="40" idx="5"/>
+          </p:cNvCxnSpPr>
+          <p:nvPr/>
+        </p:nvCxnSpPr>
+        <p:spPr>
+          <a:xfrm>
+            <a:off x="2953969" y="5991224"/>
+            <a:ext cx="1501140" cy="0"/>
+          </a:xfrm>
+          <a:prstGeom prst="straightConnector1">
+            <a:avLst/>
+          </a:prstGeom>
+          <a:ln w="60325">
+            <a:solidFill>
+              <a:schemeClr val="accent1">
+                <a:lumMod val="75000"/>
+              </a:schemeClr>
+            </a:solidFill>
+            <a:tailEnd type="triangle"/>
+          </a:ln>
+        </p:spPr>
+        <p:style>
+          <a:lnRef idx="1">
+            <a:schemeClr val="accent1"/>
+          </a:lnRef>
+          <a:fillRef idx="0">
+            <a:schemeClr val="accent1"/>
+          </a:fillRef>
+          <a:effectRef idx="0">
+            <a:schemeClr val="accent1"/>
+          </a:effectRef>
+          <a:fontRef idx="minor">
+            <a:schemeClr val="tx1"/>
+          </a:fontRef>
+        </p:style>
+      </p:cxnSp>
+      <p:cxnSp>
+        <p:nvCxnSpPr>
+          <p:cNvPr id="70" name="直接箭头连接符 69">
+            <a:extLst>
+              <a:ext uri="{FF2B5EF4-FFF2-40B4-BE49-F238E27FC236}">
+                <a16:creationId xmlns:a16="http://schemas.microsoft.com/office/drawing/2014/main" id="{B83C7773-4C05-424F-8999-493E3E69B8F0}"/>
+              </a:ext>
+            </a:extLst>
+          </p:cNvPr>
+          <p:cNvCxnSpPr>
+            <a:cxnSpLocks/>
+            <a:stCxn id="44" idx="2"/>
+            <a:endCxn id="49" idx="5"/>
+          </p:cNvCxnSpPr>
+          <p:nvPr/>
+        </p:nvCxnSpPr>
+        <p:spPr>
+          <a:xfrm>
+            <a:off x="6343202" y="2857501"/>
+            <a:ext cx="2158985" cy="10160"/>
+          </a:xfrm>
+          <a:prstGeom prst="straightConnector1">
+            <a:avLst/>
+          </a:prstGeom>
+          <a:ln w="60325">
+            <a:solidFill>
+              <a:schemeClr val="accent6">
+                <a:lumMod val="75000"/>
+              </a:schemeClr>
+            </a:solidFill>
+            <a:tailEnd type="triangle"/>
+          </a:ln>
+        </p:spPr>
+        <p:style>
+          <a:lnRef idx="1">
+            <a:schemeClr val="accent1"/>
+          </a:lnRef>
+          <a:fillRef idx="0">
+            <a:schemeClr val="accent1"/>
+          </a:fillRef>
+          <a:effectRef idx="0">
+            <a:schemeClr val="accent1"/>
+          </a:effectRef>
+          <a:fontRef idx="minor">
+            <a:schemeClr val="tx1"/>
+          </a:fontRef>
+        </p:style>
+      </p:cxnSp>
+      <p:cxnSp>
+        <p:nvCxnSpPr>
+          <p:cNvPr id="79" name="直接箭头连接符 78">
+            <a:extLst>
+              <a:ext uri="{FF2B5EF4-FFF2-40B4-BE49-F238E27FC236}">
+                <a16:creationId xmlns:a16="http://schemas.microsoft.com/office/drawing/2014/main" id="{5A08AFB6-BCAF-4562-8097-D0672AEBC6A6}"/>
+              </a:ext>
+            </a:extLst>
+          </p:cNvPr>
+          <p:cNvCxnSpPr>
+            <a:cxnSpLocks/>
+          </p:cNvCxnSpPr>
+          <p:nvPr/>
+        </p:nvCxnSpPr>
+        <p:spPr>
+          <a:xfrm>
+            <a:off x="5551710" y="5212080"/>
+            <a:ext cx="0" cy="779143"/>
+          </a:xfrm>
+          <a:prstGeom prst="straightConnector1">
+            <a:avLst/>
+          </a:prstGeom>
+          <a:ln w="60325">
+            <a:solidFill>
+              <a:schemeClr val="accent6">
+                <a:lumMod val="75000"/>
+              </a:schemeClr>
+            </a:solidFill>
+            <a:tailEnd type="triangle"/>
+          </a:ln>
+        </p:spPr>
+        <p:style>
+          <a:lnRef idx="1">
+            <a:schemeClr val="accent1"/>
+          </a:lnRef>
+          <a:fillRef idx="0">
+            <a:schemeClr val="accent1"/>
+          </a:fillRef>
+          <a:effectRef idx="0">
+            <a:schemeClr val="accent1"/>
+          </a:effectRef>
+          <a:fontRef idx="minor">
+            <a:schemeClr val="tx1"/>
+          </a:fontRef>
+        </p:style>
+      </p:cxnSp>
+      <p:cxnSp>
+        <p:nvCxnSpPr>
+          <p:cNvPr id="82" name="直接箭头连接符 81">
+            <a:extLst>
+              <a:ext uri="{FF2B5EF4-FFF2-40B4-BE49-F238E27FC236}">
+                <a16:creationId xmlns:a16="http://schemas.microsoft.com/office/drawing/2014/main" id="{034C2100-760F-4837-A2CE-921F927142D3}"/>
+              </a:ext>
+            </a:extLst>
+          </p:cNvPr>
+          <p:cNvCxnSpPr>
+            <a:cxnSpLocks/>
+            <a:stCxn id="40" idx="2"/>
+            <a:endCxn id="45" idx="5"/>
+          </p:cNvCxnSpPr>
+          <p:nvPr/>
+        </p:nvCxnSpPr>
+        <p:spPr>
+          <a:xfrm>
+            <a:off x="6410180" y="5991224"/>
+            <a:ext cx="1503526" cy="10160"/>
+          </a:xfrm>
+          <a:prstGeom prst="straightConnector1">
+            <a:avLst/>
+          </a:prstGeom>
+          <a:ln w="60325">
+            <a:solidFill>
+              <a:schemeClr val="accent6">
+                <a:lumMod val="75000"/>
+              </a:schemeClr>
+            </a:solidFill>
+            <a:tailEnd type="triangle"/>
+          </a:ln>
+        </p:spPr>
+        <p:style>
+          <a:lnRef idx="1">
+            <a:schemeClr val="accent1"/>
+          </a:lnRef>
+          <a:fillRef idx="0">
+            <a:schemeClr val="accent1"/>
+          </a:fillRef>
+          <a:effectRef idx="0">
+            <a:schemeClr val="accent1"/>
+          </a:effectRef>
+          <a:fontRef idx="minor">
+            <a:schemeClr val="tx1"/>
+          </a:fontRef>
+        </p:style>
+      </p:cxnSp>
+      <p:cxnSp>
+        <p:nvCxnSpPr>
+          <p:cNvPr id="83" name="直接箭头连接符 82">
+            <a:extLst>
+              <a:ext uri="{FF2B5EF4-FFF2-40B4-BE49-F238E27FC236}">
+                <a16:creationId xmlns:a16="http://schemas.microsoft.com/office/drawing/2014/main" id="{D55DF261-0530-4F5A-AC58-B1AB4ACA58CA}"/>
+              </a:ext>
+            </a:extLst>
+          </p:cNvPr>
+          <p:cNvCxnSpPr>
+            <a:cxnSpLocks/>
+            <a:stCxn id="42" idx="2"/>
+            <a:endCxn id="47" idx="5"/>
+          </p:cNvCxnSpPr>
+          <p:nvPr/>
+        </p:nvCxnSpPr>
+        <p:spPr>
+          <a:xfrm>
+            <a:off x="6380056" y="4400550"/>
+            <a:ext cx="1801907" cy="10160"/>
+          </a:xfrm>
+          <a:prstGeom prst="straightConnector1">
+            <a:avLst/>
+          </a:prstGeom>
+          <a:ln w="60325">
+            <a:solidFill>
+              <a:schemeClr val="accent6">
+                <a:lumMod val="75000"/>
+              </a:schemeClr>
+            </a:solidFill>
+            <a:tailEnd type="triangle"/>
+          </a:ln>
+        </p:spPr>
+        <p:style>
+          <a:lnRef idx="1">
+            <a:schemeClr val="accent1"/>
+          </a:lnRef>
+          <a:fillRef idx="0">
+            <a:schemeClr val="accent1"/>
+          </a:fillRef>
+          <a:effectRef idx="0">
+            <a:schemeClr val="accent1"/>
+          </a:effectRef>
+          <a:fontRef idx="minor">
+            <a:schemeClr val="tx1"/>
+          </a:fontRef>
+        </p:style>
+      </p:cxnSp>
+      <p:sp>
+        <p:nvSpPr>
+          <p:cNvPr id="103" name="文本框 102">
+            <a:extLst>
+              <a:ext uri="{FF2B5EF4-FFF2-40B4-BE49-F238E27FC236}">
+                <a16:creationId xmlns:a16="http://schemas.microsoft.com/office/drawing/2014/main" id="{2EAB2CAC-3B10-4BE8-B10E-B26881340A4B}"/>
+              </a:ext>
+            </a:extLst>
+          </p:cNvPr>
+          <p:cNvSpPr txBox="1"/>
+          <p:nvPr/>
+        </p:nvSpPr>
+        <p:spPr>
+          <a:xfrm>
+            <a:off x="1770391" y="2443163"/>
+            <a:ext cx="466794" cy="369332"/>
+          </a:xfrm>
+          <a:prstGeom prst="rect">
+            <a:avLst/>
+          </a:prstGeom>
+          <a:noFill/>
+        </p:spPr>
+        <p:txBody>
+          <a:bodyPr wrap="none" rtlCol="0">
+            <a:spAutoFit/>
+          </a:bodyPr>
+          <a:lstStyle/>
+          <a:p>
+            <a:r>
+              <a:rPr lang="en-US" altLang="zh-CN" b="1" dirty="0">
+                <a:latin typeface="Times New Roman" panose="02020603050405020304" pitchFamily="18" charset="0"/>
+                <a:cs typeface="Times New Roman" panose="02020603050405020304" pitchFamily="18" charset="0"/>
+              </a:rPr>
+              <a:t>C5</a:t>
+            </a:r>
+            <a:endParaRPr lang="zh-CN" altLang="en-US" b="1" dirty="0">
+              <a:latin typeface="Times New Roman" panose="02020603050405020304" pitchFamily="18" charset="0"/>
+              <a:cs typeface="Times New Roman" panose="02020603050405020304" pitchFamily="18" charset="0"/>
+            </a:endParaRPr>
+          </a:p>
+        </p:txBody>
+      </p:sp>
+      <p:sp>
+        <p:nvSpPr>
+          <p:cNvPr id="104" name="文本框 103">
+            <a:extLst>
+              <a:ext uri="{FF2B5EF4-FFF2-40B4-BE49-F238E27FC236}">
+                <a16:creationId xmlns:a16="http://schemas.microsoft.com/office/drawing/2014/main" id="{1DE7F44A-FF92-4542-B980-FA7214053897}"/>
+              </a:ext>
+            </a:extLst>
+          </p:cNvPr>
+          <p:cNvSpPr txBox="1"/>
+          <p:nvPr/>
+        </p:nvSpPr>
+        <p:spPr>
+          <a:xfrm>
+            <a:off x="5226602" y="2443163"/>
+            <a:ext cx="466794" cy="369332"/>
+          </a:xfrm>
+          <a:prstGeom prst="rect">
+            <a:avLst/>
+          </a:prstGeom>
+          <a:noFill/>
+        </p:spPr>
+        <p:txBody>
+          <a:bodyPr wrap="none" rtlCol="0">
+            <a:spAutoFit/>
+          </a:bodyPr>
+          <a:lstStyle/>
+          <a:p>
+            <a:r>
+              <a:rPr lang="en-US" altLang="zh-CN" b="1" dirty="0">
+                <a:latin typeface="Times New Roman" panose="02020603050405020304" pitchFamily="18" charset="0"/>
+                <a:cs typeface="Times New Roman" panose="02020603050405020304" pitchFamily="18" charset="0"/>
+              </a:rPr>
+              <a:t>D5</a:t>
+            </a:r>
+            <a:endParaRPr lang="zh-CN" altLang="en-US" b="1" dirty="0">
+              <a:latin typeface="Times New Roman" panose="02020603050405020304" pitchFamily="18" charset="0"/>
+              <a:cs typeface="Times New Roman" panose="02020603050405020304" pitchFamily="18" charset="0"/>
+            </a:endParaRPr>
+          </a:p>
+        </p:txBody>
+      </p:sp>
+      <p:sp>
+        <p:nvSpPr>
+          <p:cNvPr id="105" name="文本框 104">
+            <a:extLst>
+              <a:ext uri="{FF2B5EF4-FFF2-40B4-BE49-F238E27FC236}">
+                <a16:creationId xmlns:a16="http://schemas.microsoft.com/office/drawing/2014/main" id="{D85895F0-070C-476A-A284-66382DB5CC18}"/>
+              </a:ext>
+            </a:extLst>
+          </p:cNvPr>
+          <p:cNvSpPr txBox="1"/>
+          <p:nvPr/>
+        </p:nvSpPr>
+        <p:spPr>
+          <a:xfrm>
+            <a:off x="8685199" y="2453323"/>
+            <a:ext cx="441146" cy="369332"/>
+          </a:xfrm>
+          <a:prstGeom prst="rect">
+            <a:avLst/>
+          </a:prstGeom>
+          <a:noFill/>
+        </p:spPr>
+        <p:txBody>
+          <a:bodyPr wrap="none" rtlCol="0">
+            <a:spAutoFit/>
+          </a:bodyPr>
+          <a:lstStyle/>
+          <a:p>
+            <a:r>
+              <a:rPr lang="en-US" altLang="zh-CN" b="1" dirty="0">
+                <a:latin typeface="Times New Roman" panose="02020603050405020304" pitchFamily="18" charset="0"/>
+                <a:cs typeface="Times New Roman" panose="02020603050405020304" pitchFamily="18" charset="0"/>
+              </a:rPr>
+              <a:t>P5</a:t>
+            </a:r>
+            <a:endParaRPr lang="zh-CN" altLang="en-US" b="1" dirty="0">
+              <a:latin typeface="Times New Roman" panose="02020603050405020304" pitchFamily="18" charset="0"/>
+              <a:cs typeface="Times New Roman" panose="02020603050405020304" pitchFamily="18" charset="0"/>
+            </a:endParaRPr>
+          </a:p>
+        </p:txBody>
+      </p:sp>
+      <p:sp>
+        <p:nvSpPr>
+          <p:cNvPr id="112" name="文本框 111">
+            <a:extLst>
+              <a:ext uri="{FF2B5EF4-FFF2-40B4-BE49-F238E27FC236}">
+                <a16:creationId xmlns:a16="http://schemas.microsoft.com/office/drawing/2014/main" id="{8C2C20F8-2977-430C-AAE0-D96C06D1698C}"/>
+              </a:ext>
+            </a:extLst>
+          </p:cNvPr>
+          <p:cNvSpPr txBox="1"/>
+          <p:nvPr/>
+        </p:nvSpPr>
+        <p:spPr>
+          <a:xfrm>
+            <a:off x="1536994" y="3911085"/>
+            <a:ext cx="466794" cy="369332"/>
+          </a:xfrm>
+          <a:prstGeom prst="rect">
+            <a:avLst/>
+          </a:prstGeom>
+          <a:noFill/>
+        </p:spPr>
+        <p:txBody>
+          <a:bodyPr wrap="none" rtlCol="0">
+            <a:spAutoFit/>
+          </a:bodyPr>
+          <a:lstStyle/>
+          <a:p>
+            <a:r>
+              <a:rPr lang="en-US" altLang="zh-CN" b="1" dirty="0">
+                <a:latin typeface="Times New Roman" panose="02020603050405020304" pitchFamily="18" charset="0"/>
+                <a:cs typeface="Times New Roman" panose="02020603050405020304" pitchFamily="18" charset="0"/>
+              </a:rPr>
+              <a:t>C4</a:t>
+            </a:r>
+            <a:endParaRPr lang="zh-CN" altLang="en-US" b="1" dirty="0">
+              <a:latin typeface="Times New Roman" panose="02020603050405020304" pitchFamily="18" charset="0"/>
+              <a:cs typeface="Times New Roman" panose="02020603050405020304" pitchFamily="18" charset="0"/>
+            </a:endParaRPr>
+          </a:p>
+        </p:txBody>
+      </p:sp>
+      <p:sp>
+        <p:nvSpPr>
+          <p:cNvPr id="113" name="文本框 112">
+            <a:extLst>
+              <a:ext uri="{FF2B5EF4-FFF2-40B4-BE49-F238E27FC236}">
+                <a16:creationId xmlns:a16="http://schemas.microsoft.com/office/drawing/2014/main" id="{3FC652A3-C469-4562-A16F-6BD1C4964292}"/>
+              </a:ext>
+            </a:extLst>
+          </p:cNvPr>
+          <p:cNvSpPr txBox="1"/>
+          <p:nvPr/>
+        </p:nvSpPr>
+        <p:spPr>
+          <a:xfrm>
+            <a:off x="4993205" y="3911085"/>
+            <a:ext cx="466794" cy="369332"/>
+          </a:xfrm>
+          <a:prstGeom prst="rect">
+            <a:avLst/>
+          </a:prstGeom>
+          <a:noFill/>
+        </p:spPr>
+        <p:txBody>
+          <a:bodyPr wrap="none" rtlCol="0">
+            <a:spAutoFit/>
+          </a:bodyPr>
+          <a:lstStyle/>
+          <a:p>
+            <a:r>
+              <a:rPr lang="en-US" altLang="zh-CN" b="1" dirty="0">
+                <a:latin typeface="Times New Roman" panose="02020603050405020304" pitchFamily="18" charset="0"/>
+                <a:cs typeface="Times New Roman" panose="02020603050405020304" pitchFamily="18" charset="0"/>
+              </a:rPr>
+              <a:t>D4</a:t>
+            </a:r>
+            <a:endParaRPr lang="zh-CN" altLang="en-US" b="1" dirty="0">
+              <a:latin typeface="Times New Roman" panose="02020603050405020304" pitchFamily="18" charset="0"/>
+              <a:cs typeface="Times New Roman" panose="02020603050405020304" pitchFamily="18" charset="0"/>
+            </a:endParaRPr>
+          </a:p>
+        </p:txBody>
+      </p:sp>
+      <p:sp>
+        <p:nvSpPr>
+          <p:cNvPr id="114" name="文本框 113">
+            <a:extLst>
+              <a:ext uri="{FF2B5EF4-FFF2-40B4-BE49-F238E27FC236}">
+                <a16:creationId xmlns:a16="http://schemas.microsoft.com/office/drawing/2014/main" id="{743FFCE9-BF7A-49E3-B549-D9412D241A68}"/>
+              </a:ext>
+            </a:extLst>
+          </p:cNvPr>
+          <p:cNvSpPr txBox="1"/>
+          <p:nvPr/>
+        </p:nvSpPr>
+        <p:spPr>
+          <a:xfrm>
+            <a:off x="8451802" y="3921245"/>
+            <a:ext cx="441146" cy="369332"/>
+          </a:xfrm>
+          <a:prstGeom prst="rect">
+            <a:avLst/>
+          </a:prstGeom>
+          <a:noFill/>
+        </p:spPr>
+        <p:txBody>
+          <a:bodyPr wrap="none" rtlCol="0">
+            <a:spAutoFit/>
+          </a:bodyPr>
+          <a:lstStyle/>
+          <a:p>
+            <a:r>
+              <a:rPr lang="en-US" altLang="zh-CN" b="1" dirty="0">
+                <a:latin typeface="Times New Roman" panose="02020603050405020304" pitchFamily="18" charset="0"/>
+                <a:cs typeface="Times New Roman" panose="02020603050405020304" pitchFamily="18" charset="0"/>
+              </a:rPr>
+              <a:t>P4</a:t>
+            </a:r>
+            <a:endParaRPr lang="zh-CN" altLang="en-US" b="1" dirty="0">
+              <a:latin typeface="Times New Roman" panose="02020603050405020304" pitchFamily="18" charset="0"/>
+              <a:cs typeface="Times New Roman" panose="02020603050405020304" pitchFamily="18" charset="0"/>
+            </a:endParaRPr>
+          </a:p>
+        </p:txBody>
+      </p:sp>
+      <p:sp>
+        <p:nvSpPr>
+          <p:cNvPr id="115" name="文本框 114">
+            <a:extLst>
+              <a:ext uri="{FF2B5EF4-FFF2-40B4-BE49-F238E27FC236}">
+                <a16:creationId xmlns:a16="http://schemas.microsoft.com/office/drawing/2014/main" id="{36B87D68-9FAA-4D10-B267-88E154B61BD5}"/>
+              </a:ext>
+            </a:extLst>
+          </p:cNvPr>
+          <p:cNvSpPr txBox="1"/>
+          <p:nvPr/>
+        </p:nvSpPr>
+        <p:spPr>
+          <a:xfrm>
+            <a:off x="1324141" y="5429250"/>
+            <a:ext cx="466794" cy="369332"/>
+          </a:xfrm>
+          <a:prstGeom prst="rect">
+            <a:avLst/>
+          </a:prstGeom>
+          <a:noFill/>
+        </p:spPr>
+        <p:txBody>
+          <a:bodyPr wrap="none" rtlCol="0">
+            <a:spAutoFit/>
+          </a:bodyPr>
+          <a:lstStyle/>
+          <a:p>
+            <a:r>
+              <a:rPr lang="en-US" altLang="zh-CN" b="1" dirty="0">
+                <a:latin typeface="Times New Roman" panose="02020603050405020304" pitchFamily="18" charset="0"/>
+                <a:cs typeface="Times New Roman" panose="02020603050405020304" pitchFamily="18" charset="0"/>
+              </a:rPr>
+              <a:t>C3</a:t>
+            </a:r>
+            <a:endParaRPr lang="zh-CN" altLang="en-US" b="1" dirty="0">
+              <a:latin typeface="Times New Roman" panose="02020603050405020304" pitchFamily="18" charset="0"/>
+              <a:cs typeface="Times New Roman" panose="02020603050405020304" pitchFamily="18" charset="0"/>
+            </a:endParaRPr>
+          </a:p>
+        </p:txBody>
+      </p:sp>
+      <p:sp>
+        <p:nvSpPr>
+          <p:cNvPr id="116" name="文本框 115">
+            <a:extLst>
+              <a:ext uri="{FF2B5EF4-FFF2-40B4-BE49-F238E27FC236}">
+                <a16:creationId xmlns:a16="http://schemas.microsoft.com/office/drawing/2014/main" id="{5016956E-7361-4F42-9099-634D07D62821}"/>
+              </a:ext>
+            </a:extLst>
+          </p:cNvPr>
+          <p:cNvSpPr txBox="1"/>
+          <p:nvPr/>
+        </p:nvSpPr>
+        <p:spPr>
+          <a:xfrm>
+            <a:off x="4780352" y="5429250"/>
+            <a:ext cx="466794" cy="369332"/>
+          </a:xfrm>
+          <a:prstGeom prst="rect">
+            <a:avLst/>
+          </a:prstGeom>
+          <a:noFill/>
+        </p:spPr>
+        <p:txBody>
+          <a:bodyPr wrap="none" rtlCol="0">
+            <a:spAutoFit/>
+          </a:bodyPr>
+          <a:lstStyle/>
+          <a:p>
+            <a:r>
+              <a:rPr lang="en-US" altLang="zh-CN" b="1" dirty="0">
+                <a:latin typeface="Times New Roman" panose="02020603050405020304" pitchFamily="18" charset="0"/>
+                <a:cs typeface="Times New Roman" panose="02020603050405020304" pitchFamily="18" charset="0"/>
+              </a:rPr>
+              <a:t>D3</a:t>
+            </a:r>
+            <a:endParaRPr lang="zh-CN" altLang="en-US" b="1" dirty="0">
+              <a:latin typeface="Times New Roman" panose="02020603050405020304" pitchFamily="18" charset="0"/>
+              <a:cs typeface="Times New Roman" panose="02020603050405020304" pitchFamily="18" charset="0"/>
+            </a:endParaRPr>
+          </a:p>
+        </p:txBody>
+      </p:sp>
+      <p:sp>
+        <p:nvSpPr>
+          <p:cNvPr id="117" name="文本框 116">
+            <a:extLst>
+              <a:ext uri="{FF2B5EF4-FFF2-40B4-BE49-F238E27FC236}">
+                <a16:creationId xmlns:a16="http://schemas.microsoft.com/office/drawing/2014/main" id="{6651654B-7E27-4FD5-B81E-1BB2CD1CE709}"/>
+              </a:ext>
+            </a:extLst>
+          </p:cNvPr>
+          <p:cNvSpPr txBox="1"/>
+          <p:nvPr/>
+        </p:nvSpPr>
+        <p:spPr>
+          <a:xfrm>
+            <a:off x="8238949" y="5439410"/>
+            <a:ext cx="441146" cy="369332"/>
+          </a:xfrm>
+          <a:prstGeom prst="rect">
+            <a:avLst/>
+          </a:prstGeom>
+          <a:noFill/>
+        </p:spPr>
+        <p:txBody>
+          <a:bodyPr wrap="none" rtlCol="0">
+            <a:spAutoFit/>
+          </a:bodyPr>
+          <a:lstStyle/>
+          <a:p>
+            <a:r>
+              <a:rPr lang="en-US" altLang="zh-CN" b="1" dirty="0">
+                <a:latin typeface="Times New Roman" panose="02020603050405020304" pitchFamily="18" charset="0"/>
+                <a:cs typeface="Times New Roman" panose="02020603050405020304" pitchFamily="18" charset="0"/>
+              </a:rPr>
+              <a:t>P3</a:t>
+            </a:r>
+            <a:endParaRPr lang="zh-CN" altLang="en-US" b="1" dirty="0">
+              <a:latin typeface="Times New Roman" panose="02020603050405020304" pitchFamily="18" charset="0"/>
+              <a:cs typeface="Times New Roman" panose="02020603050405020304" pitchFamily="18" charset="0"/>
+            </a:endParaRPr>
+          </a:p>
+        </p:txBody>
+      </p:sp>
+      <p:sp>
+        <p:nvSpPr>
+          <p:cNvPr id="118" name="文本框 117">
+            <a:extLst>
+              <a:ext uri="{FF2B5EF4-FFF2-40B4-BE49-F238E27FC236}">
+                <a16:creationId xmlns:a16="http://schemas.microsoft.com/office/drawing/2014/main" id="{031E3B42-76E8-4D67-B4E4-6247322A7466}"/>
+              </a:ext>
+            </a:extLst>
+          </p:cNvPr>
+          <p:cNvSpPr txBox="1"/>
+          <p:nvPr/>
+        </p:nvSpPr>
+        <p:spPr>
+          <a:xfrm>
+            <a:off x="8767386" y="1276986"/>
+            <a:ext cx="441146" cy="369332"/>
+          </a:xfrm>
+          <a:prstGeom prst="rect">
+            <a:avLst/>
+          </a:prstGeom>
+          <a:noFill/>
+        </p:spPr>
+        <p:txBody>
+          <a:bodyPr wrap="none" rtlCol="0">
+            <a:spAutoFit/>
+          </a:bodyPr>
+          <a:lstStyle/>
+          <a:p>
+            <a:r>
+              <a:rPr lang="en-US" altLang="zh-CN" b="1" dirty="0">
+                <a:latin typeface="Times New Roman" panose="02020603050405020304" pitchFamily="18" charset="0"/>
+                <a:cs typeface="Times New Roman" panose="02020603050405020304" pitchFamily="18" charset="0"/>
+              </a:rPr>
+              <a:t>P6</a:t>
+            </a:r>
+            <a:endParaRPr lang="zh-CN" altLang="en-US" b="1" dirty="0">
+              <a:latin typeface="Times New Roman" panose="02020603050405020304" pitchFamily="18" charset="0"/>
+              <a:cs typeface="Times New Roman" panose="02020603050405020304" pitchFamily="18" charset="0"/>
+            </a:endParaRPr>
+          </a:p>
+        </p:txBody>
+      </p:sp>
+      <p:sp>
+        <p:nvSpPr>
+          <p:cNvPr id="119" name="文本框 118">
+            <a:extLst>
+              <a:ext uri="{FF2B5EF4-FFF2-40B4-BE49-F238E27FC236}">
+                <a16:creationId xmlns:a16="http://schemas.microsoft.com/office/drawing/2014/main" id="{F937A691-2956-411A-8575-831D79831BA9}"/>
+              </a:ext>
+            </a:extLst>
+          </p:cNvPr>
+          <p:cNvSpPr txBox="1"/>
+          <p:nvPr/>
+        </p:nvSpPr>
+        <p:spPr>
+          <a:xfrm>
+            <a:off x="8931690" y="212331"/>
+            <a:ext cx="441146" cy="369332"/>
+          </a:xfrm>
+          <a:prstGeom prst="rect">
+            <a:avLst/>
+          </a:prstGeom>
+          <a:noFill/>
+        </p:spPr>
+        <p:txBody>
+          <a:bodyPr wrap="none" rtlCol="0">
+            <a:spAutoFit/>
+          </a:bodyPr>
+          <a:lstStyle/>
+          <a:p>
+            <a:r>
+              <a:rPr lang="en-US" altLang="zh-CN" b="1" dirty="0">
+                <a:latin typeface="Times New Roman" panose="02020603050405020304" pitchFamily="18" charset="0"/>
+                <a:cs typeface="Times New Roman" panose="02020603050405020304" pitchFamily="18" charset="0"/>
+              </a:rPr>
+              <a:t>P7</a:t>
+            </a:r>
+            <a:endParaRPr lang="zh-CN" altLang="en-US" b="1" dirty="0">
+              <a:latin typeface="Times New Roman" panose="02020603050405020304" pitchFamily="18" charset="0"/>
+              <a:cs typeface="Times New Roman" panose="02020603050405020304" pitchFamily="18" charset="0"/>
+            </a:endParaRPr>
+          </a:p>
+        </p:txBody>
+      </p:sp>
+      <p:sp>
+        <p:nvSpPr>
+          <p:cNvPr id="120" name="文本框 119">
+            <a:extLst>
+              <a:ext uri="{FF2B5EF4-FFF2-40B4-BE49-F238E27FC236}">
+                <a16:creationId xmlns:a16="http://schemas.microsoft.com/office/drawing/2014/main" id="{3F27937E-4794-43BC-BA05-28E42E0ED664}"/>
+              </a:ext>
+            </a:extLst>
+          </p:cNvPr>
+          <p:cNvSpPr txBox="1"/>
+          <p:nvPr/>
+        </p:nvSpPr>
+        <p:spPr>
+          <a:xfrm>
+            <a:off x="1020185" y="3256162"/>
+            <a:ext cx="1967205" cy="369332"/>
+          </a:xfrm>
+          <a:prstGeom prst="rect">
+            <a:avLst/>
+          </a:prstGeom>
+          <a:noFill/>
+        </p:spPr>
+        <p:txBody>
+          <a:bodyPr wrap="none" rtlCol="0">
+            <a:spAutoFit/>
+          </a:bodyPr>
+          <a:lstStyle/>
+          <a:p>
+            <a:r>
+              <a:rPr lang="en-US" altLang="zh-CN" b="1" dirty="0">
+                <a:latin typeface="Times New Roman" panose="02020603050405020304" pitchFamily="18" charset="0"/>
+                <a:cs typeface="Times New Roman" panose="02020603050405020304" pitchFamily="18" charset="0"/>
+              </a:rPr>
+              <a:t>H/32×W/32×2048</a:t>
+            </a:r>
+            <a:endParaRPr lang="zh-CN" altLang="en-US" b="1" dirty="0">
+              <a:latin typeface="Times New Roman" panose="02020603050405020304" pitchFamily="18" charset="0"/>
+              <a:cs typeface="Times New Roman" panose="02020603050405020304" pitchFamily="18" charset="0"/>
+            </a:endParaRPr>
+          </a:p>
+        </p:txBody>
+      </p:sp>
+      <p:sp>
+        <p:nvSpPr>
+          <p:cNvPr id="122" name="文本框 121">
+            <a:extLst>
+              <a:ext uri="{FF2B5EF4-FFF2-40B4-BE49-F238E27FC236}">
+                <a16:creationId xmlns:a16="http://schemas.microsoft.com/office/drawing/2014/main" id="{E46E3A13-9B5F-45C3-93DF-1BCBBD6FAFA2}"/>
+              </a:ext>
+            </a:extLst>
+          </p:cNvPr>
+          <p:cNvSpPr txBox="1"/>
+          <p:nvPr/>
+        </p:nvSpPr>
+        <p:spPr>
+          <a:xfrm>
+            <a:off x="752647" y="4914900"/>
+            <a:ext cx="1967205" cy="369332"/>
+          </a:xfrm>
+          <a:prstGeom prst="rect">
+            <a:avLst/>
+          </a:prstGeom>
+          <a:noFill/>
+        </p:spPr>
+        <p:txBody>
+          <a:bodyPr wrap="none" rtlCol="0">
+            <a:spAutoFit/>
+          </a:bodyPr>
+          <a:lstStyle/>
+          <a:p>
+            <a:r>
+              <a:rPr lang="en-US" altLang="zh-CN" b="1" dirty="0">
+                <a:latin typeface="Times New Roman" panose="02020603050405020304" pitchFamily="18" charset="0"/>
+                <a:cs typeface="Times New Roman" panose="02020603050405020304" pitchFamily="18" charset="0"/>
+              </a:rPr>
+              <a:t>H/16×W/16×1024</a:t>
+            </a:r>
+            <a:endParaRPr lang="zh-CN" altLang="en-US" b="1" dirty="0">
+              <a:latin typeface="Times New Roman" panose="02020603050405020304" pitchFamily="18" charset="0"/>
+              <a:cs typeface="Times New Roman" panose="02020603050405020304" pitchFamily="18" charset="0"/>
+            </a:endParaRPr>
+          </a:p>
+        </p:txBody>
+      </p:sp>
+      <p:sp>
+        <p:nvSpPr>
+          <p:cNvPr id="123" name="矩形 122">
+            <a:extLst>
+              <a:ext uri="{FF2B5EF4-FFF2-40B4-BE49-F238E27FC236}">
+                <a16:creationId xmlns:a16="http://schemas.microsoft.com/office/drawing/2014/main" id="{CB887471-BCA9-45DB-B84A-16566776B137}"/>
+              </a:ext>
+            </a:extLst>
+          </p:cNvPr>
+          <p:cNvSpPr/>
+          <p:nvPr/>
+        </p:nvSpPr>
+        <p:spPr>
+          <a:xfrm>
+            <a:off x="6189689" y="3244334"/>
+            <a:ext cx="338554" cy="369332"/>
+          </a:xfrm>
+          <a:prstGeom prst="rect">
+            <a:avLst/>
+          </a:prstGeom>
+        </p:spPr>
+        <p:txBody>
+          <a:bodyPr wrap="none">
+            <a:spAutoFit/>
+          </a:bodyPr>
+          <a:lstStyle/>
+          <a:p>
+            <a:r>
+              <a:rPr lang="en-US" altLang="zh-CN" dirty="0">
+                <a:solidFill>
+                  <a:srgbClr val="FFFFFF"/>
+                </a:solidFill>
+                <a:latin typeface="等线" panose="02010600030101010101" pitchFamily="2" charset="-122"/>
+              </a:rPr>
+              <a:t>×</a:t>
+            </a:r>
+            <a:endParaRPr lang="zh-CN" altLang="en-US" dirty="0"/>
+          </a:p>
+        </p:txBody>
+      </p:sp>
+      <p:sp>
+        <p:nvSpPr>
+          <p:cNvPr id="124" name="文本框 123">
+            <a:extLst>
+              <a:ext uri="{FF2B5EF4-FFF2-40B4-BE49-F238E27FC236}">
+                <a16:creationId xmlns:a16="http://schemas.microsoft.com/office/drawing/2014/main" id="{765E8CE0-CC8A-4EB8-A5C8-D4321B8D8288}"/>
+              </a:ext>
+            </a:extLst>
+          </p:cNvPr>
+          <p:cNvSpPr txBox="1"/>
+          <p:nvPr/>
+        </p:nvSpPr>
+        <p:spPr>
+          <a:xfrm>
+            <a:off x="980029" y="6215691"/>
+            <a:ext cx="1620957" cy="369332"/>
+          </a:xfrm>
+          <a:prstGeom prst="rect">
+            <a:avLst/>
+          </a:prstGeom>
+          <a:noFill/>
+        </p:spPr>
+        <p:txBody>
+          <a:bodyPr wrap="none" rtlCol="0">
+            <a:spAutoFit/>
+          </a:bodyPr>
+          <a:lstStyle/>
+          <a:p>
+            <a:r>
+              <a:rPr lang="en-US" altLang="zh-CN" b="1" dirty="0">
+                <a:latin typeface="Times New Roman" panose="02020603050405020304" pitchFamily="18" charset="0"/>
+                <a:cs typeface="Times New Roman" panose="02020603050405020304" pitchFamily="18" charset="0"/>
+              </a:rPr>
+              <a:t>H/8×W/8×512</a:t>
+            </a:r>
+            <a:endParaRPr lang="zh-CN" altLang="en-US" b="1" dirty="0">
+              <a:latin typeface="Times New Roman" panose="02020603050405020304" pitchFamily="18" charset="0"/>
+              <a:cs typeface="Times New Roman" panose="02020603050405020304" pitchFamily="18" charset="0"/>
+            </a:endParaRPr>
+          </a:p>
+        </p:txBody>
+      </p:sp>
+      <p:sp>
+        <p:nvSpPr>
+          <p:cNvPr id="128" name="文本框 127">
+            <a:extLst>
+              <a:ext uri="{FF2B5EF4-FFF2-40B4-BE49-F238E27FC236}">
+                <a16:creationId xmlns:a16="http://schemas.microsoft.com/office/drawing/2014/main" id="{1D6EA116-265B-4CBA-9D27-E759DEC7A36A}"/>
+              </a:ext>
+            </a:extLst>
+          </p:cNvPr>
+          <p:cNvSpPr txBox="1"/>
+          <p:nvPr/>
+        </p:nvSpPr>
+        <p:spPr>
+          <a:xfrm>
+            <a:off x="4436667" y="6215691"/>
+            <a:ext cx="1620957" cy="369332"/>
+          </a:xfrm>
+          <a:prstGeom prst="rect">
+            <a:avLst/>
+          </a:prstGeom>
+          <a:noFill/>
+        </p:spPr>
+        <p:txBody>
+          <a:bodyPr wrap="none" rtlCol="0">
+            <a:spAutoFit/>
+          </a:bodyPr>
+          <a:lstStyle/>
+          <a:p>
+            <a:r>
+              <a:rPr lang="en-US" altLang="zh-CN" b="1" dirty="0">
+                <a:latin typeface="Times New Roman" panose="02020603050405020304" pitchFamily="18" charset="0"/>
+                <a:cs typeface="Times New Roman" panose="02020603050405020304" pitchFamily="18" charset="0"/>
+              </a:rPr>
+              <a:t>H/8×W/8×256</a:t>
+            </a:r>
+            <a:endParaRPr lang="zh-CN" altLang="en-US" b="1" dirty="0">
+              <a:latin typeface="Times New Roman" panose="02020603050405020304" pitchFamily="18" charset="0"/>
+              <a:cs typeface="Times New Roman" panose="02020603050405020304" pitchFamily="18" charset="0"/>
+            </a:endParaRPr>
+          </a:p>
+        </p:txBody>
+      </p:sp>
+      <p:sp>
+        <p:nvSpPr>
+          <p:cNvPr id="129" name="文本框 128">
+            <a:extLst>
+              <a:ext uri="{FF2B5EF4-FFF2-40B4-BE49-F238E27FC236}">
+                <a16:creationId xmlns:a16="http://schemas.microsoft.com/office/drawing/2014/main" id="{1AEA989C-A7FE-4E99-81BC-2DDB2F2FCEA8}"/>
+              </a:ext>
+            </a:extLst>
+          </p:cNvPr>
+          <p:cNvSpPr txBox="1"/>
+          <p:nvPr/>
+        </p:nvSpPr>
+        <p:spPr>
+          <a:xfrm>
+            <a:off x="7954736" y="6213075"/>
+            <a:ext cx="1620957" cy="369332"/>
+          </a:xfrm>
+          <a:prstGeom prst="rect">
+            <a:avLst/>
+          </a:prstGeom>
+          <a:noFill/>
+        </p:spPr>
+        <p:txBody>
+          <a:bodyPr wrap="none" rtlCol="0">
+            <a:spAutoFit/>
+          </a:bodyPr>
+          <a:lstStyle/>
+          <a:p>
+            <a:r>
+              <a:rPr lang="en-US" altLang="zh-CN" b="1" dirty="0">
+                <a:latin typeface="Times New Roman" panose="02020603050405020304" pitchFamily="18" charset="0"/>
+                <a:cs typeface="Times New Roman" panose="02020603050405020304" pitchFamily="18" charset="0"/>
+              </a:rPr>
+              <a:t>H/8×W/8×256</a:t>
+            </a:r>
+            <a:endParaRPr lang="zh-CN" altLang="en-US" b="1" dirty="0">
+              <a:latin typeface="Times New Roman" panose="02020603050405020304" pitchFamily="18" charset="0"/>
+              <a:cs typeface="Times New Roman" panose="02020603050405020304" pitchFamily="18" charset="0"/>
+            </a:endParaRPr>
+          </a:p>
+        </p:txBody>
+      </p:sp>
+      <p:sp>
+        <p:nvSpPr>
+          <p:cNvPr id="134" name="文本框 133">
+            <a:extLst>
+              <a:ext uri="{FF2B5EF4-FFF2-40B4-BE49-F238E27FC236}">
+                <a16:creationId xmlns:a16="http://schemas.microsoft.com/office/drawing/2014/main" id="{F0F18C5C-73B1-4604-BFD6-0158C807B81E}"/>
+              </a:ext>
+            </a:extLst>
+          </p:cNvPr>
+          <p:cNvSpPr txBox="1"/>
+          <p:nvPr/>
+        </p:nvSpPr>
+        <p:spPr>
+          <a:xfrm>
+            <a:off x="8085542" y="1944013"/>
+            <a:ext cx="1851789" cy="369332"/>
+          </a:xfrm>
+          <a:prstGeom prst="rect">
+            <a:avLst/>
+          </a:prstGeom>
+          <a:noFill/>
+        </p:spPr>
+        <p:txBody>
+          <a:bodyPr wrap="none" rtlCol="0">
+            <a:spAutoFit/>
+          </a:bodyPr>
+          <a:lstStyle/>
+          <a:p>
+            <a:r>
+              <a:rPr lang="en-US" altLang="zh-CN" b="1" dirty="0">
+                <a:latin typeface="Times New Roman" panose="02020603050405020304" pitchFamily="18" charset="0"/>
+                <a:cs typeface="Times New Roman" panose="02020603050405020304" pitchFamily="18" charset="0"/>
+              </a:rPr>
+              <a:t>H/64×W/64×256</a:t>
+            </a:r>
+            <a:endParaRPr lang="zh-CN" altLang="en-US" b="1" dirty="0">
+              <a:latin typeface="Times New Roman" panose="02020603050405020304" pitchFamily="18" charset="0"/>
+              <a:cs typeface="Times New Roman" panose="02020603050405020304" pitchFamily="18" charset="0"/>
+            </a:endParaRPr>
+          </a:p>
+        </p:txBody>
+      </p:sp>
+      <p:cxnSp>
+        <p:nvCxnSpPr>
+          <p:cNvPr id="140" name="直接箭头连接符 139">
+            <a:extLst>
+              <a:ext uri="{FF2B5EF4-FFF2-40B4-BE49-F238E27FC236}">
+                <a16:creationId xmlns:a16="http://schemas.microsoft.com/office/drawing/2014/main" id="{5C6661FA-1D98-4CEB-9B9F-D1C1B7004B29}"/>
+              </a:ext>
+            </a:extLst>
+          </p:cNvPr>
+          <p:cNvCxnSpPr>
+            <a:cxnSpLocks/>
+          </p:cNvCxnSpPr>
+          <p:nvPr/>
+        </p:nvCxnSpPr>
+        <p:spPr>
+          <a:xfrm flipV="1">
+            <a:off x="9165087" y="967764"/>
+            <a:ext cx="13094" cy="725050"/>
+          </a:xfrm>
+          <a:prstGeom prst="straightConnector1">
+            <a:avLst/>
+          </a:prstGeom>
+          <a:ln w="60325">
+            <a:solidFill>
+              <a:schemeClr val="accent2">
+                <a:lumMod val="75000"/>
+              </a:schemeClr>
+            </a:solidFill>
+            <a:tailEnd type="triangle"/>
+          </a:ln>
+        </p:spPr>
+        <p:style>
+          <a:lnRef idx="1">
+            <a:schemeClr val="accent1"/>
+          </a:lnRef>
+          <a:fillRef idx="0">
+            <a:schemeClr val="accent1"/>
+          </a:fillRef>
+          <a:effectRef idx="0">
+            <a:schemeClr val="accent1"/>
+          </a:effectRef>
+          <a:fontRef idx="minor">
+            <a:schemeClr val="tx1"/>
+          </a:fontRef>
+        </p:style>
+      </p:cxnSp>
+      <p:sp>
+        <p:nvSpPr>
+          <p:cNvPr id="141" name="文本框 140">
+            <a:extLst>
+              <a:ext uri="{FF2B5EF4-FFF2-40B4-BE49-F238E27FC236}">
+                <a16:creationId xmlns:a16="http://schemas.microsoft.com/office/drawing/2014/main" id="{E4970E96-7612-4CB6-B0BB-CE1541F7C39D}"/>
+              </a:ext>
+            </a:extLst>
+          </p:cNvPr>
+          <p:cNvSpPr txBox="1"/>
+          <p:nvPr/>
+        </p:nvSpPr>
+        <p:spPr>
+          <a:xfrm>
+            <a:off x="8190739" y="651750"/>
+            <a:ext cx="2082621" cy="369332"/>
+          </a:xfrm>
+          <a:prstGeom prst="rect">
+            <a:avLst/>
+          </a:prstGeom>
+          <a:noFill/>
+        </p:spPr>
+        <p:txBody>
+          <a:bodyPr wrap="none" rtlCol="0">
+            <a:spAutoFit/>
+          </a:bodyPr>
+          <a:lstStyle/>
+          <a:p>
+            <a:r>
+              <a:rPr lang="en-US" altLang="zh-CN" b="1" dirty="0">
+                <a:latin typeface="Times New Roman" panose="02020603050405020304" pitchFamily="18" charset="0"/>
+                <a:cs typeface="Times New Roman" panose="02020603050405020304" pitchFamily="18" charset="0"/>
+              </a:rPr>
+              <a:t>H/128×W/128×256</a:t>
+            </a:r>
+            <a:endParaRPr lang="zh-CN" altLang="en-US" b="1" dirty="0">
+              <a:latin typeface="Times New Roman" panose="02020603050405020304" pitchFamily="18" charset="0"/>
+              <a:cs typeface="Times New Roman" panose="02020603050405020304" pitchFamily="18" charset="0"/>
+            </a:endParaRPr>
+          </a:p>
+        </p:txBody>
+      </p:sp>
+      <p:sp>
+        <p:nvSpPr>
+          <p:cNvPr id="150" name="文本框 149">
+            <a:extLst>
+              <a:ext uri="{FF2B5EF4-FFF2-40B4-BE49-F238E27FC236}">
+                <a16:creationId xmlns:a16="http://schemas.microsoft.com/office/drawing/2014/main" id="{85941077-4610-445F-943B-F71BEEEA73EE}"/>
+              </a:ext>
+            </a:extLst>
+          </p:cNvPr>
+          <p:cNvSpPr txBox="1"/>
+          <p:nvPr/>
+        </p:nvSpPr>
+        <p:spPr>
+          <a:xfrm>
+            <a:off x="4476330" y="3251717"/>
+            <a:ext cx="1851789" cy="369332"/>
+          </a:xfrm>
+          <a:prstGeom prst="rect">
+            <a:avLst/>
+          </a:prstGeom>
+          <a:noFill/>
+        </p:spPr>
+        <p:txBody>
+          <a:bodyPr wrap="none" rtlCol="0">
+            <a:spAutoFit/>
+          </a:bodyPr>
+          <a:lstStyle/>
+          <a:p>
+            <a:r>
+              <a:rPr lang="en-US" altLang="zh-CN" b="1" dirty="0">
+                <a:latin typeface="Times New Roman" panose="02020603050405020304" pitchFamily="18" charset="0"/>
+                <a:cs typeface="Times New Roman" panose="02020603050405020304" pitchFamily="18" charset="0"/>
+              </a:rPr>
+              <a:t>H/32×W/32×256</a:t>
+            </a:r>
+            <a:endParaRPr lang="zh-CN" altLang="en-US" b="1" dirty="0">
+              <a:latin typeface="Times New Roman" panose="02020603050405020304" pitchFamily="18" charset="0"/>
+              <a:cs typeface="Times New Roman" panose="02020603050405020304" pitchFamily="18" charset="0"/>
+            </a:endParaRPr>
+          </a:p>
+        </p:txBody>
+      </p:sp>
+      <p:sp>
+        <p:nvSpPr>
+          <p:cNvPr id="151" name="文本框 150">
+            <a:extLst>
+              <a:ext uri="{FF2B5EF4-FFF2-40B4-BE49-F238E27FC236}">
+                <a16:creationId xmlns:a16="http://schemas.microsoft.com/office/drawing/2014/main" id="{A08EB700-0964-420D-827C-311FC46FAABE}"/>
+              </a:ext>
+            </a:extLst>
+          </p:cNvPr>
+          <p:cNvSpPr txBox="1"/>
+          <p:nvPr/>
+        </p:nvSpPr>
+        <p:spPr>
+          <a:xfrm>
+            <a:off x="4233145" y="4914900"/>
+            <a:ext cx="1851789" cy="369332"/>
+          </a:xfrm>
+          <a:prstGeom prst="rect">
+            <a:avLst/>
+          </a:prstGeom>
+          <a:noFill/>
+        </p:spPr>
+        <p:txBody>
+          <a:bodyPr wrap="none" rtlCol="0">
+            <a:spAutoFit/>
+          </a:bodyPr>
+          <a:lstStyle/>
+          <a:p>
+            <a:r>
+              <a:rPr lang="en-US" altLang="zh-CN" b="1" dirty="0">
+                <a:latin typeface="Times New Roman" panose="02020603050405020304" pitchFamily="18" charset="0"/>
+                <a:cs typeface="Times New Roman" panose="02020603050405020304" pitchFamily="18" charset="0"/>
+              </a:rPr>
+              <a:t>H/16×W/16×256</a:t>
+            </a:r>
+            <a:endParaRPr lang="zh-CN" altLang="en-US" b="1" dirty="0">
+              <a:latin typeface="Times New Roman" panose="02020603050405020304" pitchFamily="18" charset="0"/>
+              <a:cs typeface="Times New Roman" panose="02020603050405020304" pitchFamily="18" charset="0"/>
+            </a:endParaRPr>
+          </a:p>
+        </p:txBody>
+      </p:sp>
+      <p:sp>
+        <p:nvSpPr>
+          <p:cNvPr id="152" name="文本框 151">
+            <a:extLst>
+              <a:ext uri="{FF2B5EF4-FFF2-40B4-BE49-F238E27FC236}">
+                <a16:creationId xmlns:a16="http://schemas.microsoft.com/office/drawing/2014/main" id="{BEF2AF74-9254-4131-9665-77C7EAB62ED2}"/>
+              </a:ext>
+            </a:extLst>
+          </p:cNvPr>
+          <p:cNvSpPr txBox="1"/>
+          <p:nvPr/>
+        </p:nvSpPr>
+        <p:spPr>
+          <a:xfrm>
+            <a:off x="7913706" y="3261877"/>
+            <a:ext cx="1851789" cy="369332"/>
+          </a:xfrm>
+          <a:prstGeom prst="rect">
+            <a:avLst/>
+          </a:prstGeom>
+          <a:noFill/>
+        </p:spPr>
+        <p:txBody>
+          <a:bodyPr wrap="none" rtlCol="0">
+            <a:spAutoFit/>
+          </a:bodyPr>
+          <a:lstStyle/>
+          <a:p>
+            <a:r>
+              <a:rPr lang="en-US" altLang="zh-CN" b="1" dirty="0">
+                <a:latin typeface="Times New Roman" panose="02020603050405020304" pitchFamily="18" charset="0"/>
+                <a:cs typeface="Times New Roman" panose="02020603050405020304" pitchFamily="18" charset="0"/>
+              </a:rPr>
+              <a:t>H/32×W/32×256</a:t>
+            </a:r>
+            <a:endParaRPr lang="zh-CN" altLang="en-US" b="1" dirty="0">
+              <a:latin typeface="Times New Roman" panose="02020603050405020304" pitchFamily="18" charset="0"/>
+              <a:cs typeface="Times New Roman" panose="02020603050405020304" pitchFamily="18" charset="0"/>
+            </a:endParaRPr>
+          </a:p>
+        </p:txBody>
+      </p:sp>
+      <p:sp>
+        <p:nvSpPr>
+          <p:cNvPr id="153" name="文本框 152">
+            <a:extLst>
+              <a:ext uri="{FF2B5EF4-FFF2-40B4-BE49-F238E27FC236}">
+                <a16:creationId xmlns:a16="http://schemas.microsoft.com/office/drawing/2014/main" id="{F90464F2-6785-421F-95B7-E1D68106F0CC}"/>
+              </a:ext>
+            </a:extLst>
+          </p:cNvPr>
+          <p:cNvSpPr txBox="1"/>
+          <p:nvPr/>
+        </p:nvSpPr>
+        <p:spPr>
+          <a:xfrm>
+            <a:off x="7773932" y="4922520"/>
+            <a:ext cx="1851789" cy="369332"/>
+          </a:xfrm>
+          <a:prstGeom prst="rect">
+            <a:avLst/>
+          </a:prstGeom>
+          <a:noFill/>
+        </p:spPr>
+        <p:txBody>
+          <a:bodyPr wrap="none" rtlCol="0">
+            <a:spAutoFit/>
+          </a:bodyPr>
+          <a:lstStyle/>
+          <a:p>
+            <a:r>
+              <a:rPr lang="en-US" altLang="zh-CN" b="1" dirty="0">
+                <a:latin typeface="Times New Roman" panose="02020603050405020304" pitchFamily="18" charset="0"/>
+                <a:cs typeface="Times New Roman" panose="02020603050405020304" pitchFamily="18" charset="0"/>
+              </a:rPr>
+              <a:t>H/16×W/16×256</a:t>
+            </a:r>
+            <a:endParaRPr lang="zh-CN" altLang="en-US" b="1" dirty="0">
+              <a:latin typeface="Times New Roman" panose="02020603050405020304" pitchFamily="18" charset="0"/>
+              <a:cs typeface="Times New Roman" panose="02020603050405020304" pitchFamily="18" charset="0"/>
+            </a:endParaRPr>
+          </a:p>
+        </p:txBody>
+      </p:sp>
+      <p:sp>
+        <p:nvSpPr>
+          <p:cNvPr id="154" name="文本框 153">
+            <a:extLst>
+              <a:ext uri="{FF2B5EF4-FFF2-40B4-BE49-F238E27FC236}">
+                <a16:creationId xmlns:a16="http://schemas.microsoft.com/office/drawing/2014/main" id="{1CD14F3E-2A79-4417-B7F8-F3A5EA40D39D}"/>
+              </a:ext>
+            </a:extLst>
+          </p:cNvPr>
+          <p:cNvSpPr txBox="1"/>
+          <p:nvPr/>
+        </p:nvSpPr>
+        <p:spPr>
+          <a:xfrm>
+            <a:off x="3628367" y="2369494"/>
+            <a:ext cx="705642" cy="461665"/>
+          </a:xfrm>
+          <a:prstGeom prst="rect">
+            <a:avLst/>
+          </a:prstGeom>
+          <a:noFill/>
+        </p:spPr>
+        <p:txBody>
+          <a:bodyPr wrap="none" rtlCol="0">
+            <a:spAutoFit/>
+          </a:bodyPr>
+          <a:lstStyle/>
+          <a:p>
+            <a:r>
+              <a:rPr lang="en-US" altLang="zh-CN" sz="2400" b="1" dirty="0">
+                <a:latin typeface="Times New Roman" panose="02020603050405020304" pitchFamily="18" charset="0"/>
+                <a:cs typeface="Times New Roman" panose="02020603050405020304" pitchFamily="18" charset="0"/>
+              </a:rPr>
+              <a:t>1×1</a:t>
+            </a:r>
+            <a:endParaRPr lang="zh-CN" altLang="en-US" sz="2400" b="1" dirty="0">
+              <a:latin typeface="Times New Roman" panose="02020603050405020304" pitchFamily="18" charset="0"/>
+              <a:cs typeface="Times New Roman" panose="02020603050405020304" pitchFamily="18" charset="0"/>
+            </a:endParaRPr>
+          </a:p>
+        </p:txBody>
+      </p:sp>
+      <p:sp>
+        <p:nvSpPr>
+          <p:cNvPr id="155" name="文本框 154">
+            <a:extLst>
+              <a:ext uri="{FF2B5EF4-FFF2-40B4-BE49-F238E27FC236}">
+                <a16:creationId xmlns:a16="http://schemas.microsoft.com/office/drawing/2014/main" id="{D5BEE796-000F-484E-85F4-675EBD4E8B33}"/>
+              </a:ext>
+            </a:extLst>
+          </p:cNvPr>
+          <p:cNvSpPr txBox="1"/>
+          <p:nvPr/>
+        </p:nvSpPr>
+        <p:spPr>
+          <a:xfrm>
+            <a:off x="3470784" y="3956220"/>
+            <a:ext cx="705642" cy="461665"/>
+          </a:xfrm>
+          <a:prstGeom prst="rect">
+            <a:avLst/>
+          </a:prstGeom>
+          <a:noFill/>
+        </p:spPr>
+        <p:txBody>
+          <a:bodyPr wrap="none" rtlCol="0">
+            <a:spAutoFit/>
+          </a:bodyPr>
+          <a:lstStyle/>
+          <a:p>
+            <a:r>
+              <a:rPr lang="en-US" altLang="zh-CN" sz="2400" b="1" dirty="0">
+                <a:latin typeface="Times New Roman" panose="02020603050405020304" pitchFamily="18" charset="0"/>
+                <a:cs typeface="Times New Roman" panose="02020603050405020304" pitchFamily="18" charset="0"/>
+              </a:rPr>
+              <a:t>1×1</a:t>
+            </a:r>
+            <a:endParaRPr lang="zh-CN" altLang="en-US" sz="2400" b="1" dirty="0">
+              <a:latin typeface="Times New Roman" panose="02020603050405020304" pitchFamily="18" charset="0"/>
+              <a:cs typeface="Times New Roman" panose="02020603050405020304" pitchFamily="18" charset="0"/>
+            </a:endParaRPr>
+          </a:p>
+        </p:txBody>
+      </p:sp>
+      <p:sp>
+        <p:nvSpPr>
+          <p:cNvPr id="156" name="文本框 155">
+            <a:extLst>
+              <a:ext uri="{FF2B5EF4-FFF2-40B4-BE49-F238E27FC236}">
+                <a16:creationId xmlns:a16="http://schemas.microsoft.com/office/drawing/2014/main" id="{08019DEF-E5C7-4736-BC8F-6C6178B3F45F}"/>
+              </a:ext>
+            </a:extLst>
+          </p:cNvPr>
+          <p:cNvSpPr txBox="1"/>
+          <p:nvPr/>
+        </p:nvSpPr>
+        <p:spPr>
+          <a:xfrm>
+            <a:off x="3352180" y="5533618"/>
+            <a:ext cx="705642" cy="461665"/>
+          </a:xfrm>
+          <a:prstGeom prst="rect">
+            <a:avLst/>
+          </a:prstGeom>
+          <a:noFill/>
+        </p:spPr>
+        <p:txBody>
+          <a:bodyPr wrap="none" rtlCol="0">
+            <a:spAutoFit/>
+          </a:bodyPr>
+          <a:lstStyle/>
+          <a:p>
+            <a:r>
+              <a:rPr lang="en-US" altLang="zh-CN" sz="2400" b="1" dirty="0">
+                <a:latin typeface="Times New Roman" panose="02020603050405020304" pitchFamily="18" charset="0"/>
+                <a:cs typeface="Times New Roman" panose="02020603050405020304" pitchFamily="18" charset="0"/>
+              </a:rPr>
+              <a:t>1×1</a:t>
+            </a:r>
+            <a:endParaRPr lang="zh-CN" altLang="en-US" sz="2400" b="1" dirty="0">
+              <a:latin typeface="Times New Roman" panose="02020603050405020304" pitchFamily="18" charset="0"/>
+              <a:cs typeface="Times New Roman" panose="02020603050405020304" pitchFamily="18" charset="0"/>
+            </a:endParaRPr>
+          </a:p>
+        </p:txBody>
+      </p:sp>
+      <p:sp>
+        <p:nvSpPr>
+          <p:cNvPr id="157" name="文本框 156">
+            <a:extLst>
+              <a:ext uri="{FF2B5EF4-FFF2-40B4-BE49-F238E27FC236}">
+                <a16:creationId xmlns:a16="http://schemas.microsoft.com/office/drawing/2014/main" id="{0F21668A-2433-43AA-94B3-9F843F4D0E78}"/>
+              </a:ext>
+            </a:extLst>
+          </p:cNvPr>
+          <p:cNvSpPr txBox="1"/>
+          <p:nvPr/>
+        </p:nvSpPr>
+        <p:spPr>
+          <a:xfrm>
+            <a:off x="7086964" y="2402579"/>
+            <a:ext cx="705642" cy="461665"/>
+          </a:xfrm>
+          <a:prstGeom prst="rect">
+            <a:avLst/>
+          </a:prstGeom>
+          <a:noFill/>
+        </p:spPr>
+        <p:txBody>
+          <a:bodyPr wrap="none" rtlCol="0">
+            <a:spAutoFit/>
+          </a:bodyPr>
+          <a:lstStyle/>
+          <a:p>
+            <a:r>
+              <a:rPr lang="en-US" altLang="zh-CN" sz="2400" b="1" dirty="0">
+                <a:latin typeface="Times New Roman" panose="02020603050405020304" pitchFamily="18" charset="0"/>
+                <a:cs typeface="Times New Roman" panose="02020603050405020304" pitchFamily="18" charset="0"/>
+              </a:rPr>
+              <a:t>3×3</a:t>
+            </a:r>
+            <a:endParaRPr lang="zh-CN" altLang="en-US" sz="2400" b="1" dirty="0">
+              <a:latin typeface="Times New Roman" panose="02020603050405020304" pitchFamily="18" charset="0"/>
+              <a:cs typeface="Times New Roman" panose="02020603050405020304" pitchFamily="18" charset="0"/>
+            </a:endParaRPr>
+          </a:p>
+        </p:txBody>
+      </p:sp>
+      <p:sp>
+        <p:nvSpPr>
+          <p:cNvPr id="158" name="文本框 157">
+            <a:extLst>
+              <a:ext uri="{FF2B5EF4-FFF2-40B4-BE49-F238E27FC236}">
+                <a16:creationId xmlns:a16="http://schemas.microsoft.com/office/drawing/2014/main" id="{25816F4B-5AC9-4635-9DE9-60272D239594}"/>
+              </a:ext>
+            </a:extLst>
+          </p:cNvPr>
+          <p:cNvSpPr txBox="1"/>
+          <p:nvPr/>
+        </p:nvSpPr>
+        <p:spPr>
+          <a:xfrm>
+            <a:off x="6958316" y="3971314"/>
+            <a:ext cx="705642" cy="461665"/>
+          </a:xfrm>
+          <a:prstGeom prst="rect">
+            <a:avLst/>
+          </a:prstGeom>
+          <a:noFill/>
+        </p:spPr>
+        <p:txBody>
+          <a:bodyPr wrap="none" rtlCol="0">
+            <a:spAutoFit/>
+          </a:bodyPr>
+          <a:lstStyle/>
+          <a:p>
+            <a:r>
+              <a:rPr lang="en-US" altLang="zh-CN" sz="2400" b="1" dirty="0">
+                <a:latin typeface="Times New Roman" panose="02020603050405020304" pitchFamily="18" charset="0"/>
+                <a:cs typeface="Times New Roman" panose="02020603050405020304" pitchFamily="18" charset="0"/>
+              </a:rPr>
+              <a:t>3×3</a:t>
+            </a:r>
+            <a:endParaRPr lang="zh-CN" altLang="en-US" sz="2400" b="1" dirty="0">
+              <a:latin typeface="Times New Roman" panose="02020603050405020304" pitchFamily="18" charset="0"/>
+              <a:cs typeface="Times New Roman" panose="02020603050405020304" pitchFamily="18" charset="0"/>
+            </a:endParaRPr>
+          </a:p>
+        </p:txBody>
+      </p:sp>
+      <p:sp>
+        <p:nvSpPr>
+          <p:cNvPr id="159" name="文本框 158">
+            <a:extLst>
+              <a:ext uri="{FF2B5EF4-FFF2-40B4-BE49-F238E27FC236}">
+                <a16:creationId xmlns:a16="http://schemas.microsoft.com/office/drawing/2014/main" id="{BD43B5B3-B65B-469A-8E5F-DA757817A680}"/>
+              </a:ext>
+            </a:extLst>
+          </p:cNvPr>
+          <p:cNvSpPr txBox="1"/>
+          <p:nvPr/>
+        </p:nvSpPr>
+        <p:spPr>
+          <a:xfrm>
+            <a:off x="6806319" y="5545413"/>
+            <a:ext cx="705642" cy="461665"/>
+          </a:xfrm>
+          <a:prstGeom prst="rect">
+            <a:avLst/>
+          </a:prstGeom>
+          <a:noFill/>
+        </p:spPr>
+        <p:txBody>
+          <a:bodyPr wrap="none" rtlCol="0">
+            <a:spAutoFit/>
+          </a:bodyPr>
+          <a:lstStyle/>
+          <a:p>
+            <a:r>
+              <a:rPr lang="en-US" altLang="zh-CN" sz="2400" b="1" dirty="0">
+                <a:latin typeface="Times New Roman" panose="02020603050405020304" pitchFamily="18" charset="0"/>
+                <a:cs typeface="Times New Roman" panose="02020603050405020304" pitchFamily="18" charset="0"/>
+              </a:rPr>
+              <a:t>3×3</a:t>
+            </a:r>
+            <a:endParaRPr lang="zh-CN" altLang="en-US" sz="2400" b="1" dirty="0">
+              <a:latin typeface="Times New Roman" panose="02020603050405020304" pitchFamily="18" charset="0"/>
+              <a:cs typeface="Times New Roman" panose="02020603050405020304" pitchFamily="18" charset="0"/>
+            </a:endParaRPr>
+          </a:p>
+        </p:txBody>
+      </p:sp>
+      <p:sp>
+        <p:nvSpPr>
+          <p:cNvPr id="160" name="文本框 159">
+            <a:extLst>
+              <a:ext uri="{FF2B5EF4-FFF2-40B4-BE49-F238E27FC236}">
+                <a16:creationId xmlns:a16="http://schemas.microsoft.com/office/drawing/2014/main" id="{116DE435-9A71-486C-B1F0-CE9F419F6CF3}"/>
+              </a:ext>
+            </a:extLst>
+          </p:cNvPr>
+          <p:cNvSpPr txBox="1"/>
+          <p:nvPr/>
+        </p:nvSpPr>
+        <p:spPr>
+          <a:xfrm>
+            <a:off x="3290942" y="2807476"/>
+            <a:ext cx="1265090" cy="461665"/>
+          </a:xfrm>
+          <a:prstGeom prst="rect">
+            <a:avLst/>
+          </a:prstGeom>
+          <a:noFill/>
+        </p:spPr>
+        <p:txBody>
+          <a:bodyPr wrap="none" rtlCol="0">
+            <a:spAutoFit/>
+          </a:bodyPr>
+          <a:lstStyle/>
+          <a:p>
+            <a:r>
+              <a:rPr lang="en-US" altLang="zh-CN" sz="2400" b="1" dirty="0">
+                <a:latin typeface="Times New Roman" panose="02020603050405020304" pitchFamily="18" charset="0"/>
+                <a:cs typeface="Times New Roman" panose="02020603050405020304" pitchFamily="18" charset="0"/>
+              </a:rPr>
+              <a:t>stride=1</a:t>
+            </a:r>
+            <a:endParaRPr lang="zh-CN" altLang="en-US" sz="2400" b="1" dirty="0">
+              <a:latin typeface="Times New Roman" panose="02020603050405020304" pitchFamily="18" charset="0"/>
+              <a:cs typeface="Times New Roman" panose="02020603050405020304" pitchFamily="18" charset="0"/>
+            </a:endParaRPr>
+          </a:p>
+        </p:txBody>
+      </p:sp>
+      <p:sp>
+        <p:nvSpPr>
+          <p:cNvPr id="161" name="文本框 160">
+            <a:extLst>
+              <a:ext uri="{FF2B5EF4-FFF2-40B4-BE49-F238E27FC236}">
+                <a16:creationId xmlns:a16="http://schemas.microsoft.com/office/drawing/2014/main" id="{F751EBF5-F73D-4274-8C14-566CBD6C8642}"/>
+              </a:ext>
+            </a:extLst>
+          </p:cNvPr>
+          <p:cNvSpPr txBox="1"/>
+          <p:nvPr/>
+        </p:nvSpPr>
+        <p:spPr>
+          <a:xfrm>
+            <a:off x="3160051" y="4319905"/>
+            <a:ext cx="1265090" cy="461665"/>
+          </a:xfrm>
+          <a:prstGeom prst="rect">
+            <a:avLst/>
+          </a:prstGeom>
+          <a:noFill/>
+        </p:spPr>
+        <p:txBody>
+          <a:bodyPr wrap="none" rtlCol="0">
+            <a:spAutoFit/>
+          </a:bodyPr>
+          <a:lstStyle/>
+          <a:p>
+            <a:r>
+              <a:rPr lang="en-US" altLang="zh-CN" sz="2400" b="1" dirty="0">
+                <a:latin typeface="Times New Roman" panose="02020603050405020304" pitchFamily="18" charset="0"/>
+                <a:cs typeface="Times New Roman" panose="02020603050405020304" pitchFamily="18" charset="0"/>
+              </a:rPr>
+              <a:t>stride=1</a:t>
+            </a:r>
+            <a:endParaRPr lang="zh-CN" altLang="en-US" sz="2400" b="1" dirty="0">
+              <a:latin typeface="Times New Roman" panose="02020603050405020304" pitchFamily="18" charset="0"/>
+              <a:cs typeface="Times New Roman" panose="02020603050405020304" pitchFamily="18" charset="0"/>
+            </a:endParaRPr>
+          </a:p>
+        </p:txBody>
+      </p:sp>
+      <p:sp>
+        <p:nvSpPr>
+          <p:cNvPr id="162" name="文本框 161">
+            <a:extLst>
+              <a:ext uri="{FF2B5EF4-FFF2-40B4-BE49-F238E27FC236}">
+                <a16:creationId xmlns:a16="http://schemas.microsoft.com/office/drawing/2014/main" id="{B2FEA305-CF62-4340-8025-CFDCB71AD8E6}"/>
+              </a:ext>
+            </a:extLst>
+          </p:cNvPr>
+          <p:cNvSpPr txBox="1"/>
+          <p:nvPr/>
+        </p:nvSpPr>
+        <p:spPr>
+          <a:xfrm>
+            <a:off x="2995822" y="5943598"/>
+            <a:ext cx="1265090" cy="461665"/>
+          </a:xfrm>
+          <a:prstGeom prst="rect">
+            <a:avLst/>
+          </a:prstGeom>
+          <a:noFill/>
+        </p:spPr>
+        <p:txBody>
+          <a:bodyPr wrap="none" rtlCol="0">
+            <a:spAutoFit/>
+          </a:bodyPr>
+          <a:lstStyle/>
+          <a:p>
+            <a:r>
+              <a:rPr lang="en-US" altLang="zh-CN" sz="2400" b="1" dirty="0">
+                <a:latin typeface="Times New Roman" panose="02020603050405020304" pitchFamily="18" charset="0"/>
+                <a:cs typeface="Times New Roman" panose="02020603050405020304" pitchFamily="18" charset="0"/>
+              </a:rPr>
+              <a:t>stride=1</a:t>
+            </a:r>
+            <a:endParaRPr lang="zh-CN" altLang="en-US" sz="2400" b="1" dirty="0">
+              <a:latin typeface="Times New Roman" panose="02020603050405020304" pitchFamily="18" charset="0"/>
+              <a:cs typeface="Times New Roman" panose="02020603050405020304" pitchFamily="18" charset="0"/>
+            </a:endParaRPr>
+          </a:p>
+        </p:txBody>
+      </p:sp>
+      <p:sp>
+        <p:nvSpPr>
+          <p:cNvPr id="181" name="文本框 180">
+            <a:extLst>
+              <a:ext uri="{FF2B5EF4-FFF2-40B4-BE49-F238E27FC236}">
+                <a16:creationId xmlns:a16="http://schemas.microsoft.com/office/drawing/2014/main" id="{32179DBA-23BF-458D-8B73-459E4A4160C3}"/>
+              </a:ext>
+            </a:extLst>
+          </p:cNvPr>
+          <p:cNvSpPr txBox="1"/>
+          <p:nvPr/>
+        </p:nvSpPr>
+        <p:spPr>
+          <a:xfrm>
+            <a:off x="6755554" y="2816808"/>
+            <a:ext cx="1265090" cy="461665"/>
+          </a:xfrm>
+          <a:prstGeom prst="rect">
+            <a:avLst/>
+          </a:prstGeom>
+          <a:noFill/>
+        </p:spPr>
+        <p:txBody>
+          <a:bodyPr wrap="none" rtlCol="0">
+            <a:spAutoFit/>
+          </a:bodyPr>
+          <a:lstStyle/>
+          <a:p>
+            <a:r>
+              <a:rPr lang="en-US" altLang="zh-CN" sz="2400" b="1" dirty="0">
+                <a:latin typeface="Times New Roman" panose="02020603050405020304" pitchFamily="18" charset="0"/>
+                <a:cs typeface="Times New Roman" panose="02020603050405020304" pitchFamily="18" charset="0"/>
+              </a:rPr>
+              <a:t>stride=1</a:t>
+            </a:r>
+            <a:endParaRPr lang="zh-CN" altLang="en-US" sz="2400" b="1" dirty="0">
+              <a:latin typeface="Times New Roman" panose="02020603050405020304" pitchFamily="18" charset="0"/>
+              <a:cs typeface="Times New Roman" panose="02020603050405020304" pitchFamily="18" charset="0"/>
+            </a:endParaRPr>
+          </a:p>
+        </p:txBody>
+      </p:sp>
+      <p:sp>
+        <p:nvSpPr>
+          <p:cNvPr id="182" name="文本框 181">
+            <a:extLst>
+              <a:ext uri="{FF2B5EF4-FFF2-40B4-BE49-F238E27FC236}">
+                <a16:creationId xmlns:a16="http://schemas.microsoft.com/office/drawing/2014/main" id="{FA8B8468-CAB7-4100-A9DB-8A4107BE01CC}"/>
+              </a:ext>
+            </a:extLst>
+          </p:cNvPr>
+          <p:cNvSpPr txBox="1"/>
+          <p:nvPr/>
+        </p:nvSpPr>
+        <p:spPr>
+          <a:xfrm>
+            <a:off x="6592614" y="4319905"/>
+            <a:ext cx="1265090" cy="461665"/>
+          </a:xfrm>
+          <a:prstGeom prst="rect">
+            <a:avLst/>
+          </a:prstGeom>
+          <a:noFill/>
+        </p:spPr>
+        <p:txBody>
+          <a:bodyPr wrap="none" rtlCol="0">
+            <a:spAutoFit/>
+          </a:bodyPr>
+          <a:lstStyle/>
+          <a:p>
+            <a:r>
+              <a:rPr lang="en-US" altLang="zh-CN" sz="2400" b="1" dirty="0">
+                <a:latin typeface="Times New Roman" panose="02020603050405020304" pitchFamily="18" charset="0"/>
+                <a:cs typeface="Times New Roman" panose="02020603050405020304" pitchFamily="18" charset="0"/>
+              </a:rPr>
+              <a:t>stride=1</a:t>
+            </a:r>
+            <a:endParaRPr lang="zh-CN" altLang="en-US" sz="2400" b="1" dirty="0">
+              <a:latin typeface="Times New Roman" panose="02020603050405020304" pitchFamily="18" charset="0"/>
+              <a:cs typeface="Times New Roman" panose="02020603050405020304" pitchFamily="18" charset="0"/>
+            </a:endParaRPr>
+          </a:p>
+        </p:txBody>
+      </p:sp>
+      <p:sp>
+        <p:nvSpPr>
+          <p:cNvPr id="183" name="文本框 182">
+            <a:extLst>
+              <a:ext uri="{FF2B5EF4-FFF2-40B4-BE49-F238E27FC236}">
+                <a16:creationId xmlns:a16="http://schemas.microsoft.com/office/drawing/2014/main" id="{18976181-71AD-445F-96DD-E46D64C548CB}"/>
+              </a:ext>
+            </a:extLst>
+          </p:cNvPr>
+          <p:cNvSpPr txBox="1"/>
+          <p:nvPr/>
+        </p:nvSpPr>
+        <p:spPr>
+          <a:xfrm>
+            <a:off x="6471504" y="5936076"/>
+            <a:ext cx="1265090" cy="461665"/>
+          </a:xfrm>
+          <a:prstGeom prst="rect">
+            <a:avLst/>
+          </a:prstGeom>
+          <a:noFill/>
+        </p:spPr>
+        <p:txBody>
+          <a:bodyPr wrap="none" rtlCol="0">
+            <a:spAutoFit/>
+          </a:bodyPr>
+          <a:lstStyle/>
+          <a:p>
+            <a:r>
+              <a:rPr lang="en-US" altLang="zh-CN" sz="2400" b="1" dirty="0">
+                <a:latin typeface="Times New Roman" panose="02020603050405020304" pitchFamily="18" charset="0"/>
+                <a:cs typeface="Times New Roman" panose="02020603050405020304" pitchFamily="18" charset="0"/>
+              </a:rPr>
+              <a:t>stride=1</a:t>
+            </a:r>
+            <a:endParaRPr lang="zh-CN" altLang="en-US" sz="2400" b="1" dirty="0">
+              <a:latin typeface="Times New Roman" panose="02020603050405020304" pitchFamily="18" charset="0"/>
+              <a:cs typeface="Times New Roman" panose="02020603050405020304" pitchFamily="18" charset="0"/>
+            </a:endParaRPr>
+          </a:p>
+        </p:txBody>
+      </p:sp>
+      <p:sp>
+        <p:nvSpPr>
+          <p:cNvPr id="61" name="文本框 60">
+            <a:extLst>
+              <a:ext uri="{FF2B5EF4-FFF2-40B4-BE49-F238E27FC236}">
+                <a16:creationId xmlns:a16="http://schemas.microsoft.com/office/drawing/2014/main" id="{895CD90C-EC0E-4DCE-B8D0-17F52E2B349D}"/>
+              </a:ext>
+            </a:extLst>
+          </p:cNvPr>
+          <p:cNvSpPr txBox="1"/>
+          <p:nvPr/>
+        </p:nvSpPr>
+        <p:spPr>
+          <a:xfrm>
+            <a:off x="9126345" y="1240749"/>
+            <a:ext cx="1502334" cy="369332"/>
+          </a:xfrm>
+          <a:prstGeom prst="rect">
+            <a:avLst/>
+          </a:prstGeom>
+          <a:noFill/>
+        </p:spPr>
+        <p:txBody>
+          <a:bodyPr wrap="none" rtlCol="0">
+            <a:spAutoFit/>
+          </a:bodyPr>
+          <a:lstStyle/>
+          <a:p>
+            <a:r>
+              <a:rPr lang="en-US" altLang="zh-CN" b="1" dirty="0">
+                <a:latin typeface="Times New Roman" panose="02020603050405020304" pitchFamily="18" charset="0"/>
+                <a:cs typeface="Times New Roman" panose="02020603050405020304" pitchFamily="18" charset="0"/>
+              </a:rPr>
+              <a:t>3×3, stride=2</a:t>
+            </a:r>
+            <a:endParaRPr lang="zh-CN" altLang="en-US" b="1" dirty="0">
+              <a:latin typeface="Times New Roman" panose="02020603050405020304" pitchFamily="18" charset="0"/>
+              <a:cs typeface="Times New Roman" panose="02020603050405020304" pitchFamily="18" charset="0"/>
+            </a:endParaRPr>
+          </a:p>
+        </p:txBody>
+      </p:sp>
+      <p:sp>
+        <p:nvSpPr>
+          <p:cNvPr id="66" name="文本框 65">
+            <a:extLst>
+              <a:ext uri="{FF2B5EF4-FFF2-40B4-BE49-F238E27FC236}">
+                <a16:creationId xmlns:a16="http://schemas.microsoft.com/office/drawing/2014/main" id="{B586472B-0937-4382-93A3-4C8FFEEF11EB}"/>
+              </a:ext>
+            </a:extLst>
+          </p:cNvPr>
+          <p:cNvSpPr txBox="1"/>
+          <p:nvPr/>
+        </p:nvSpPr>
+        <p:spPr>
+          <a:xfrm>
+            <a:off x="9122807" y="2448745"/>
+            <a:ext cx="1502334" cy="369332"/>
+          </a:xfrm>
+          <a:prstGeom prst="rect">
+            <a:avLst/>
+          </a:prstGeom>
+          <a:noFill/>
+        </p:spPr>
+        <p:txBody>
+          <a:bodyPr wrap="none" rtlCol="0">
+            <a:spAutoFit/>
+          </a:bodyPr>
+          <a:lstStyle/>
+          <a:p>
+            <a:r>
+              <a:rPr lang="en-US" altLang="zh-CN" b="1" dirty="0">
+                <a:latin typeface="Times New Roman" panose="02020603050405020304" pitchFamily="18" charset="0"/>
+                <a:cs typeface="Times New Roman" panose="02020603050405020304" pitchFamily="18" charset="0"/>
+              </a:rPr>
+              <a:t>3×3, stride=2</a:t>
+            </a:r>
+            <a:endParaRPr lang="zh-CN" altLang="en-US" b="1" dirty="0">
+              <a:latin typeface="Times New Roman" panose="02020603050405020304" pitchFamily="18" charset="0"/>
+              <a:cs typeface="Times New Roman" panose="02020603050405020304" pitchFamily="18" charset="0"/>
+            </a:endParaRPr>
+          </a:p>
+        </p:txBody>
+      </p:sp>
+      <p:sp>
+        <p:nvSpPr>
+          <p:cNvPr id="68" name="文本框 67">
+            <a:extLst>
+              <a:ext uri="{FF2B5EF4-FFF2-40B4-BE49-F238E27FC236}">
+                <a16:creationId xmlns:a16="http://schemas.microsoft.com/office/drawing/2014/main" id="{E61FE8EC-E2F7-41B7-9838-CDF98EFEA431}"/>
+              </a:ext>
+            </a:extLst>
+          </p:cNvPr>
+          <p:cNvSpPr txBox="1"/>
+          <p:nvPr/>
+        </p:nvSpPr>
+        <p:spPr>
+          <a:xfrm>
+            <a:off x="5477080" y="3777229"/>
+            <a:ext cx="1237839" cy="400110"/>
+          </a:xfrm>
+          <a:prstGeom prst="rect">
+            <a:avLst/>
+          </a:prstGeom>
+          <a:noFill/>
+        </p:spPr>
+        <p:txBody>
+          <a:bodyPr wrap="none" rtlCol="0">
+            <a:spAutoFit/>
+          </a:bodyPr>
+          <a:lstStyle/>
+          <a:p>
+            <a:r>
+              <a:rPr lang="en-US" altLang="zh-CN" sz="2000" b="1" dirty="0">
+                <a:latin typeface="Times New Roman" panose="02020603050405020304" pitchFamily="18" charset="0"/>
+                <a:cs typeface="Times New Roman" panose="02020603050405020304" pitchFamily="18" charset="0"/>
+              </a:rPr>
+              <a:t>upsample</a:t>
+            </a:r>
+            <a:endParaRPr lang="zh-CN" altLang="en-US" sz="2000" b="1" dirty="0">
+              <a:latin typeface="Times New Roman" panose="02020603050405020304" pitchFamily="18" charset="0"/>
+              <a:cs typeface="Times New Roman" panose="02020603050405020304" pitchFamily="18" charset="0"/>
+            </a:endParaRPr>
+          </a:p>
+        </p:txBody>
+      </p:sp>
+      <p:sp>
+        <p:nvSpPr>
+          <p:cNvPr id="69" name="文本框 68">
+            <a:extLst>
+              <a:ext uri="{FF2B5EF4-FFF2-40B4-BE49-F238E27FC236}">
+                <a16:creationId xmlns:a16="http://schemas.microsoft.com/office/drawing/2014/main" id="{648DDA61-0D43-45BC-B66E-C3598F4C9CF4}"/>
+              </a:ext>
+            </a:extLst>
+          </p:cNvPr>
+          <p:cNvSpPr txBox="1"/>
+          <p:nvPr/>
+        </p:nvSpPr>
+        <p:spPr>
+          <a:xfrm>
+            <a:off x="5466014" y="5321849"/>
+            <a:ext cx="1237839" cy="400110"/>
+          </a:xfrm>
+          <a:prstGeom prst="rect">
+            <a:avLst/>
+          </a:prstGeom>
+          <a:noFill/>
+        </p:spPr>
+        <p:txBody>
+          <a:bodyPr wrap="none" rtlCol="0">
+            <a:spAutoFit/>
+          </a:bodyPr>
+          <a:lstStyle/>
+          <a:p>
+            <a:r>
+              <a:rPr lang="en-US" altLang="zh-CN" sz="2000" b="1" dirty="0">
+                <a:latin typeface="Times New Roman" panose="02020603050405020304" pitchFamily="18" charset="0"/>
+                <a:cs typeface="Times New Roman" panose="02020603050405020304" pitchFamily="18" charset="0"/>
+              </a:rPr>
+              <a:t>upsample</a:t>
+            </a:r>
+            <a:endParaRPr lang="zh-CN" altLang="en-US" sz="2000" b="1" dirty="0">
+              <a:latin typeface="Times New Roman" panose="02020603050405020304" pitchFamily="18" charset="0"/>
+              <a:cs typeface="Times New Roman" panose="02020603050405020304" pitchFamily="18" charset="0"/>
+            </a:endParaRPr>
+          </a:p>
+        </p:txBody>
+      </p:sp>
+      <p:cxnSp>
+        <p:nvCxnSpPr>
+          <p:cNvPr id="6" name="连接符: 肘形 5">
+            <a:extLst>
+              <a:ext uri="{FF2B5EF4-FFF2-40B4-BE49-F238E27FC236}">
+                <a16:creationId xmlns:a16="http://schemas.microsoft.com/office/drawing/2014/main" id="{9D682C05-5834-4BB8-8802-BA56425A4FE5}"/>
+              </a:ext>
+            </a:extLst>
+          </p:cNvPr>
+          <p:cNvCxnSpPr>
+            <a:cxnSpLocks/>
+            <a:stCxn id="25" idx="0"/>
+            <a:endCxn id="54" idx="5"/>
+          </p:cNvCxnSpPr>
+          <p:nvPr/>
+        </p:nvCxnSpPr>
+        <p:spPr>
+          <a:xfrm rot="5400000" flipH="1" flipV="1">
+            <a:off x="5032177" y="-1175106"/>
+            <a:ext cx="808990" cy="6398974"/>
+          </a:xfrm>
+          <a:prstGeom prst="bentConnector2">
+            <a:avLst/>
+          </a:prstGeom>
+          <a:ln w="60325">
+            <a:tailEnd type="triangle"/>
+          </a:ln>
+        </p:spPr>
+        <p:style>
+          <a:lnRef idx="1">
+            <a:schemeClr val="accent1"/>
+          </a:lnRef>
+          <a:fillRef idx="0">
+            <a:schemeClr val="accent1"/>
+          </a:fillRef>
+          <a:effectRef idx="0">
+            <a:schemeClr val="accent1"/>
+          </a:effectRef>
+          <a:fontRef idx="minor">
+            <a:schemeClr val="tx1"/>
+          </a:fontRef>
+        </p:style>
+      </p:cxnSp>
+      <p:sp>
+        <p:nvSpPr>
+          <p:cNvPr id="72" name="文本框 71">
+            <a:extLst>
+              <a:ext uri="{FF2B5EF4-FFF2-40B4-BE49-F238E27FC236}">
+                <a16:creationId xmlns:a16="http://schemas.microsoft.com/office/drawing/2014/main" id="{4D2EBAD4-1679-42A9-BF26-E5C688955F17}"/>
+              </a:ext>
+            </a:extLst>
+          </p:cNvPr>
+          <p:cNvSpPr txBox="1"/>
+          <p:nvPr/>
+        </p:nvSpPr>
+        <p:spPr>
+          <a:xfrm>
+            <a:off x="5124259" y="1174936"/>
+            <a:ext cx="705642" cy="461665"/>
+          </a:xfrm>
+          <a:prstGeom prst="rect">
+            <a:avLst/>
+          </a:prstGeom>
+          <a:noFill/>
+        </p:spPr>
+        <p:txBody>
+          <a:bodyPr wrap="none" rtlCol="0">
+            <a:spAutoFit/>
+          </a:bodyPr>
+          <a:lstStyle/>
+          <a:p>
+            <a:r>
+              <a:rPr lang="en-US" altLang="zh-CN" sz="2400" b="1" dirty="0">
+                <a:latin typeface="Times New Roman" panose="02020603050405020304" pitchFamily="18" charset="0"/>
+                <a:cs typeface="Times New Roman" panose="02020603050405020304" pitchFamily="18" charset="0"/>
+              </a:rPr>
+              <a:t>3×3</a:t>
+            </a:r>
+            <a:endParaRPr lang="zh-CN" altLang="en-US" sz="2400" b="1" dirty="0">
+              <a:latin typeface="Times New Roman" panose="02020603050405020304" pitchFamily="18" charset="0"/>
+              <a:cs typeface="Times New Roman" panose="02020603050405020304" pitchFamily="18" charset="0"/>
+            </a:endParaRPr>
+          </a:p>
+        </p:txBody>
+      </p:sp>
+      <p:sp>
+        <p:nvSpPr>
+          <p:cNvPr id="73" name="文本框 72">
+            <a:extLst>
+              <a:ext uri="{FF2B5EF4-FFF2-40B4-BE49-F238E27FC236}">
+                <a16:creationId xmlns:a16="http://schemas.microsoft.com/office/drawing/2014/main" id="{6115D675-036B-40B2-8B9A-F577DA97028D}"/>
+              </a:ext>
+            </a:extLst>
+          </p:cNvPr>
+          <p:cNvSpPr txBox="1"/>
+          <p:nvPr/>
+        </p:nvSpPr>
+        <p:spPr>
+          <a:xfrm>
+            <a:off x="4844535" y="1569228"/>
+            <a:ext cx="1265090" cy="461665"/>
+          </a:xfrm>
+          <a:prstGeom prst="rect">
+            <a:avLst/>
+          </a:prstGeom>
+          <a:noFill/>
+        </p:spPr>
+        <p:txBody>
+          <a:bodyPr wrap="none" rtlCol="0">
+            <a:spAutoFit/>
+          </a:bodyPr>
+          <a:lstStyle/>
+          <a:p>
+            <a:r>
+              <a:rPr lang="en-US" altLang="zh-CN" sz="2400" b="1" dirty="0">
+                <a:latin typeface="Times New Roman" panose="02020603050405020304" pitchFamily="18" charset="0"/>
+                <a:cs typeface="Times New Roman" panose="02020603050405020304" pitchFamily="18" charset="0"/>
+              </a:rPr>
+              <a:t>stride=2</a:t>
+            </a:r>
+            <a:endParaRPr lang="zh-CN" altLang="en-US" sz="2400" b="1" dirty="0">
+              <a:latin typeface="Times New Roman" panose="02020603050405020304" pitchFamily="18" charset="0"/>
+              <a:cs typeface="Times New Roman" panose="02020603050405020304" pitchFamily="18" charset="0"/>
+            </a:endParaRPr>
+          </a:p>
+        </p:txBody>
+      </p:sp>
+    </p:spTree>
+    <p:extLst>
+      <p:ext uri="{BB962C8B-B14F-4D97-AF65-F5344CB8AC3E}">
+        <p14:creationId xmlns:p14="http://schemas.microsoft.com/office/powerpoint/2010/main" val="404323175"/>
+      </p:ext>
+    </p:extLst>
+  </p:cSld>
+  <p:clrMapOvr>
+    <a:masterClrMapping/>
+  </p:clrMapOvr>
+</p:sld>
+</file>
+
 <file path=ppt/theme/theme1.xml><?xml version="1.0" encoding="utf-8"?>
 <a:theme xmlns:a="http://schemas.openxmlformats.org/drawingml/2006/main" name="Office 主题​​">
   <a:themeElements>
@@ -5526,4 +8917,299 @@
     </a:ext>
   </a:extLst>
 </a:theme>
+</file>
+
+<file path=ppt/theme/theme2.xml><?xml version="1.0" encoding="utf-8"?>
+<a:theme xmlns:a="http://schemas.openxmlformats.org/drawingml/2006/main" name="Office 主题​​">
+  <a:themeElements>
+    <a:clrScheme name="Office">
+      <a:dk1>
+        <a:sysClr val="windowText" lastClr="000000"/>
+      </a:dk1>
+      <a:lt1>
+        <a:sysClr val="window" lastClr="FFFFFF"/>
+      </a:lt1>
+      <a:dk2>
+        <a:srgbClr val="44546A"/>
+      </a:dk2>
+      <a:lt2>
+        <a:srgbClr val="E7E6E6"/>
+      </a:lt2>
+      <a:accent1>
+        <a:srgbClr val="4472C4"/>
+      </a:accent1>
+      <a:accent2>
+        <a:srgbClr val="ED7D31"/>
+      </a:accent2>
+      <a:accent3>
+        <a:srgbClr val="A5A5A5"/>
+      </a:accent3>
+      <a:accent4>
+        <a:srgbClr val="FFC000"/>
+      </a:accent4>
+      <a:accent5>
+        <a:srgbClr val="5B9BD5"/>
+      </a:accent5>
+      <a:accent6>
+        <a:srgbClr val="70AD47"/>
+      </a:accent6>
+      <a:hlink>
+        <a:srgbClr val="0563C1"/>
+      </a:hlink>
+      <a:folHlink>
+        <a:srgbClr val="954F72"/>
+      </a:folHlink>
+    </a:clrScheme>
+    <a:fontScheme name="Office">
+      <a:majorFont>
+        <a:latin typeface="等线 Light" panose="020F0302020204030204"/>
+        <a:ea typeface=""/>
+        <a:cs typeface=""/>
+        <a:font script="Jpan" typeface="游ゴシック Light"/>
+        <a:font script="Hang" typeface="맑은 고딕"/>
+        <a:font script="Hans" typeface="等线 Light"/>
+        <a:font script="Hant" typeface="新細明體"/>
+        <a:font script="Arab" typeface="Times New Roman"/>
+        <a:font script="Hebr" typeface="Times New Roman"/>
+        <a:font script="Thai" typeface="Angsana New"/>
+        <a:font script="Ethi" typeface="Nyala"/>
+        <a:font script="Beng" typeface="Vrinda"/>
+        <a:font script="Gujr" typeface="Shruti"/>
+        <a:font script="Khmr" typeface="MoolBoran"/>
+        <a:font script="Knda" typeface="Tunga"/>
+        <a:font script="Guru" typeface="Raavi"/>
+        <a:font script="Cans" typeface="Euphemia"/>
+        <a:font script="Cher" typeface="Plantagenet Cherokee"/>
+        <a:font script="Yiii" typeface="Microsoft Yi Baiti"/>
+        <a:font script="Tibt" typeface="Microsoft Himalaya"/>
+        <a:font script="Thaa" typeface="MV Boli"/>
+        <a:font script="Deva" typeface="Mangal"/>
+        <a:font script="Telu" typeface="Gautami"/>
+        <a:font script="Taml" typeface="Latha"/>
+        <a:font script="Syrc" typeface="Estrangelo Edessa"/>
+        <a:font script="Orya" typeface="Kalinga"/>
+        <a:font script="Mlym" typeface="Kartika"/>
+        <a:font script="Laoo" typeface="DokChampa"/>
+        <a:font script="Sinh" typeface="Iskoola Pota"/>
+        <a:font script="Mong" typeface="Mongolian Baiti"/>
+        <a:font script="Viet" typeface="Times New Roman"/>
+        <a:font script="Uigh" typeface="Microsoft Uighur"/>
+        <a:font script="Geor" typeface="Sylfaen"/>
+        <a:font script="Armn" typeface="Arial"/>
+        <a:font script="Bugi" typeface="Leelawadee UI"/>
+        <a:font script="Bopo" typeface="Microsoft JhengHei"/>
+        <a:font script="Java" typeface="Javanese Text"/>
+        <a:font script="Lisu" typeface="Segoe UI"/>
+        <a:font script="Mymr" typeface="Myanmar Text"/>
+        <a:font script="Nkoo" typeface="Ebrima"/>
+        <a:font script="Olck" typeface="Nirmala UI"/>
+        <a:font script="Osma" typeface="Ebrima"/>
+        <a:font script="Phag" typeface="Phagspa"/>
+        <a:font script="Syrn" typeface="Estrangelo Edessa"/>
+        <a:font script="Syrj" typeface="Estrangelo Edessa"/>
+        <a:font script="Syre" typeface="Estrangelo Edessa"/>
+        <a:font script="Sora" typeface="Nirmala UI"/>
+        <a:font script="Tale" typeface="Microsoft Tai Le"/>
+        <a:font script="Talu" typeface="Microsoft New Tai Lue"/>
+        <a:font script="Tfng" typeface="Ebrima"/>
+      </a:majorFont>
+      <a:minorFont>
+        <a:latin typeface="等线" panose="020F0502020204030204"/>
+        <a:ea typeface=""/>
+        <a:cs typeface=""/>
+        <a:font script="Jpan" typeface="游ゴシック"/>
+        <a:font script="Hang" typeface="맑은 고딕"/>
+        <a:font script="Hans" typeface="等线"/>
+        <a:font script="Hant" typeface="新細明體"/>
+        <a:font script="Arab" typeface="Arial"/>
+        <a:font script="Hebr" typeface="Arial"/>
+        <a:font script="Thai" typeface="Cordia New"/>
+        <a:font script="Ethi" typeface="Nyala"/>
+        <a:font script="Beng" typeface="Vrinda"/>
+        <a:font script="Gujr" typeface="Shruti"/>
+        <a:font script="Khmr" typeface="DaunPenh"/>
+        <a:font script="Knda" typeface="Tunga"/>
+        <a:font script="Guru" typeface="Raavi"/>
+        <a:font script="Cans" typeface="Euphemia"/>
+        <a:font script="Cher" typeface="Plantagenet Cherokee"/>
+        <a:font script="Yiii" typeface="Microsoft Yi Baiti"/>
+        <a:font script="Tibt" typeface="Microsoft Himalaya"/>
+        <a:font script="Thaa" typeface="MV Boli"/>
+        <a:font script="Deva" typeface="Mangal"/>
+        <a:font script="Telu" typeface="Gautami"/>
+        <a:font script="Taml" typeface="Latha"/>
+        <a:font script="Syrc" typeface="Estrangelo Edessa"/>
+        <a:font script="Orya" typeface="Kalinga"/>
+        <a:font script="Mlym" typeface="Kartika"/>
+        <a:font script="Laoo" typeface="DokChampa"/>
+        <a:font script="Sinh" typeface="Iskoola Pota"/>
+        <a:font script="Mong" typeface="Mongolian Baiti"/>
+        <a:font script="Viet" typeface="Arial"/>
+        <a:font script="Uigh" typeface="Microsoft Uighur"/>
+        <a:font script="Geor" typeface="Sylfaen"/>
+        <a:font script="Armn" typeface="Arial"/>
+        <a:font script="Bugi" typeface="Leelawadee UI"/>
+        <a:font script="Bopo" typeface="Microsoft JhengHei"/>
+        <a:font script="Java" typeface="Javanese Text"/>
+        <a:font script="Lisu" typeface="Segoe UI"/>
+        <a:font script="Mymr" typeface="Myanmar Text"/>
+        <a:font script="Nkoo" typeface="Ebrima"/>
+        <a:font script="Olck" typeface="Nirmala UI"/>
+        <a:font script="Osma" typeface="Ebrima"/>
+        <a:font script="Phag" typeface="Phagspa"/>
+        <a:font script="Syrn" typeface="Estrangelo Edessa"/>
+        <a:font script="Syrj" typeface="Estrangelo Edessa"/>
+        <a:font script="Syre" typeface="Estrangelo Edessa"/>
+        <a:font script="Sora" typeface="Nirmala UI"/>
+        <a:font script="Tale" typeface="Microsoft Tai Le"/>
+        <a:font script="Talu" typeface="Microsoft New Tai Lue"/>
+        <a:font script="Tfng" typeface="Ebrima"/>
+      </a:minorFont>
+    </a:fontScheme>
+    <a:fmtScheme name="Office">
+      <a:fillStyleLst>
+        <a:solidFill>
+          <a:schemeClr val="phClr"/>
+        </a:solidFill>
+        <a:gradFill rotWithShape="1">
+          <a:gsLst>
+            <a:gs pos="0">
+              <a:schemeClr val="phClr">
+                <a:lumMod val="110000"/>
+                <a:satMod val="105000"/>
+                <a:tint val="67000"/>
+              </a:schemeClr>
+            </a:gs>
+            <a:gs pos="50000">
+              <a:schemeClr val="phClr">
+                <a:lumMod val="105000"/>
+                <a:satMod val="103000"/>
+                <a:tint val="73000"/>
+              </a:schemeClr>
+            </a:gs>
+            <a:gs pos="100000">
+              <a:schemeClr val="phClr">
+                <a:lumMod val="105000"/>
+                <a:satMod val="109000"/>
+                <a:tint val="81000"/>
+              </a:schemeClr>
+            </a:gs>
+          </a:gsLst>
+          <a:lin ang="5400000" scaled="0"/>
+        </a:gradFill>
+        <a:gradFill rotWithShape="1">
+          <a:gsLst>
+            <a:gs pos="0">
+              <a:schemeClr val="phClr">
+                <a:satMod val="103000"/>
+                <a:lumMod val="102000"/>
+                <a:tint val="94000"/>
+              </a:schemeClr>
+            </a:gs>
+            <a:gs pos="50000">
+              <a:schemeClr val="phClr">
+                <a:satMod val="110000"/>
+                <a:lumMod val="100000"/>
+                <a:shade val="100000"/>
+              </a:schemeClr>
+            </a:gs>
+            <a:gs pos="100000">
+              <a:schemeClr val="phClr">
+                <a:lumMod val="99000"/>
+                <a:satMod val="120000"/>
+                <a:shade val="78000"/>
+              </a:schemeClr>
+            </a:gs>
+          </a:gsLst>
+          <a:lin ang="5400000" scaled="0"/>
+        </a:gradFill>
+      </a:fillStyleLst>
+      <a:lnStyleLst>
+        <a:ln w="6350" cap="flat" cmpd="sng" algn="ctr">
+          <a:solidFill>
+            <a:schemeClr val="phClr"/>
+          </a:solidFill>
+          <a:prstDash val="solid"/>
+          <a:miter lim="800000"/>
+        </a:ln>
+        <a:ln w="12700" cap="flat" cmpd="sng" algn="ctr">
+          <a:solidFill>
+            <a:schemeClr val="phClr"/>
+          </a:solidFill>
+          <a:prstDash val="solid"/>
+          <a:miter lim="800000"/>
+        </a:ln>
+        <a:ln w="19050" cap="flat" cmpd="sng" algn="ctr">
+          <a:solidFill>
+            <a:schemeClr val="phClr"/>
+          </a:solidFill>
+          <a:prstDash val="solid"/>
+          <a:miter lim="800000"/>
+        </a:ln>
+      </a:lnStyleLst>
+      <a:effectStyleLst>
+        <a:effectStyle>
+          <a:effectLst/>
+        </a:effectStyle>
+        <a:effectStyle>
+          <a:effectLst/>
+        </a:effectStyle>
+        <a:effectStyle>
+          <a:effectLst>
+            <a:outerShdw blurRad="57150" dist="19050" dir="5400000" algn="ctr" rotWithShape="0">
+              <a:srgbClr val="000000">
+                <a:alpha val="63000"/>
+              </a:srgbClr>
+            </a:outerShdw>
+          </a:effectLst>
+        </a:effectStyle>
+      </a:effectStyleLst>
+      <a:bgFillStyleLst>
+        <a:solidFill>
+          <a:schemeClr val="phClr"/>
+        </a:solidFill>
+        <a:solidFill>
+          <a:schemeClr val="phClr">
+            <a:tint val="95000"/>
+            <a:satMod val="170000"/>
+          </a:schemeClr>
+        </a:solidFill>
+        <a:gradFill rotWithShape="1">
+          <a:gsLst>
+            <a:gs pos="0">
+              <a:schemeClr val="phClr">
+                <a:tint val="93000"/>
+                <a:satMod val="150000"/>
+                <a:shade val="98000"/>
+                <a:lumMod val="102000"/>
+              </a:schemeClr>
+            </a:gs>
+            <a:gs pos="50000">
+              <a:schemeClr val="phClr">
+                <a:tint val="98000"/>
+                <a:satMod val="130000"/>
+                <a:shade val="90000"/>
+                <a:lumMod val="103000"/>
+              </a:schemeClr>
+            </a:gs>
+            <a:gs pos="100000">
+              <a:schemeClr val="phClr">
+                <a:shade val="63000"/>
+                <a:satMod val="120000"/>
+              </a:schemeClr>
+            </a:gs>
+          </a:gsLst>
+          <a:lin ang="5400000" scaled="0"/>
+        </a:gradFill>
+      </a:bgFillStyleLst>
+    </a:fmtScheme>
+  </a:themeElements>
+  <a:objectDefaults/>
+  <a:extraClrSchemeLst/>
+  <a:extLst>
+    <a:ext uri="{05A4C25C-085E-4340-85A3-A5531E510DB2}">
+      <thm15:themeFamily xmlns:thm15="http://schemas.microsoft.com/office/thememl/2012/main" name="Office Theme" id="{62F939B6-93AF-4DB8-9C6B-D6C7DFDC589F}" vid="{4A3C46E8-61CC-4603-A589-7422A47A8E4A}"/>
+    </a:ext>
+  </a:extLst>
+</a:theme>
 </file>
--- a/word/检测头.pptx
+++ b/word/检测头.pptx
@@ -199,7 +199,7 @@
           <a:p>
             <a:fld id="{BBEC9D85-A4AD-4C56-8787-D6CE08F5C7AE}" type="datetimeFigureOut">
               <a:rPr lang="zh-CN" altLang="en-US" smtClean="0"/>
-              <a:t>2020/4/25</a:t>
+              <a:t>2020/4/29</a:t>
             </a:fld>
             <a:endParaRPr lang="zh-CN" altLang="en-US"/>
           </a:p>
@@ -613,7 +613,7 @@
           <a:p>
             <a:fld id="{A8C52D35-E9E9-47B1-A7E4-E5A406F49528}" type="datetimeFigureOut">
               <a:rPr lang="zh-CN" altLang="en-US" smtClean="0"/>
-              <a:t>2020/4/25</a:t>
+              <a:t>2020/4/29</a:t>
             </a:fld>
             <a:endParaRPr lang="zh-CN" altLang="en-US"/>
           </a:p>
@@ -811,7 +811,7 @@
           <a:p>
             <a:fld id="{A8C52D35-E9E9-47B1-A7E4-E5A406F49528}" type="datetimeFigureOut">
               <a:rPr lang="zh-CN" altLang="en-US" smtClean="0"/>
-              <a:t>2020/4/25</a:t>
+              <a:t>2020/4/29</a:t>
             </a:fld>
             <a:endParaRPr lang="zh-CN" altLang="en-US"/>
           </a:p>
@@ -1019,7 +1019,7 @@
           <a:p>
             <a:fld id="{A8C52D35-E9E9-47B1-A7E4-E5A406F49528}" type="datetimeFigureOut">
               <a:rPr lang="zh-CN" altLang="en-US" smtClean="0"/>
-              <a:t>2020/4/25</a:t>
+              <a:t>2020/4/29</a:t>
             </a:fld>
             <a:endParaRPr lang="zh-CN" altLang="en-US"/>
           </a:p>
@@ -1217,7 +1217,7 @@
           <a:p>
             <a:fld id="{A8C52D35-E9E9-47B1-A7E4-E5A406F49528}" type="datetimeFigureOut">
               <a:rPr lang="zh-CN" altLang="en-US" smtClean="0"/>
-              <a:t>2020/4/25</a:t>
+              <a:t>2020/4/29</a:t>
             </a:fld>
             <a:endParaRPr lang="zh-CN" altLang="en-US"/>
           </a:p>
@@ -1492,7 +1492,7 @@
           <a:p>
             <a:fld id="{A8C52D35-E9E9-47B1-A7E4-E5A406F49528}" type="datetimeFigureOut">
               <a:rPr lang="zh-CN" altLang="en-US" smtClean="0"/>
-              <a:t>2020/4/25</a:t>
+              <a:t>2020/4/29</a:t>
             </a:fld>
             <a:endParaRPr lang="zh-CN" altLang="en-US"/>
           </a:p>
@@ -1757,7 +1757,7 @@
           <a:p>
             <a:fld id="{A8C52D35-E9E9-47B1-A7E4-E5A406F49528}" type="datetimeFigureOut">
               <a:rPr lang="zh-CN" altLang="en-US" smtClean="0"/>
-              <a:t>2020/4/25</a:t>
+              <a:t>2020/4/29</a:t>
             </a:fld>
             <a:endParaRPr lang="zh-CN" altLang="en-US"/>
           </a:p>
@@ -2169,7 +2169,7 @@
           <a:p>
             <a:fld id="{A8C52D35-E9E9-47B1-A7E4-E5A406F49528}" type="datetimeFigureOut">
               <a:rPr lang="zh-CN" altLang="en-US" smtClean="0"/>
-              <a:t>2020/4/25</a:t>
+              <a:t>2020/4/29</a:t>
             </a:fld>
             <a:endParaRPr lang="zh-CN" altLang="en-US"/>
           </a:p>
@@ -2310,7 +2310,7 @@
           <a:p>
             <a:fld id="{A8C52D35-E9E9-47B1-A7E4-E5A406F49528}" type="datetimeFigureOut">
               <a:rPr lang="zh-CN" altLang="en-US" smtClean="0"/>
-              <a:t>2020/4/25</a:t>
+              <a:t>2020/4/29</a:t>
             </a:fld>
             <a:endParaRPr lang="zh-CN" altLang="en-US"/>
           </a:p>
@@ -2423,7 +2423,7 @@
           <a:p>
             <a:fld id="{A8C52D35-E9E9-47B1-A7E4-E5A406F49528}" type="datetimeFigureOut">
               <a:rPr lang="zh-CN" altLang="en-US" smtClean="0"/>
-              <a:t>2020/4/25</a:t>
+              <a:t>2020/4/29</a:t>
             </a:fld>
             <a:endParaRPr lang="zh-CN" altLang="en-US"/>
           </a:p>
@@ -2734,7 +2734,7 @@
           <a:p>
             <a:fld id="{A8C52D35-E9E9-47B1-A7E4-E5A406F49528}" type="datetimeFigureOut">
               <a:rPr lang="zh-CN" altLang="en-US" smtClean="0"/>
-              <a:t>2020/4/25</a:t>
+              <a:t>2020/4/29</a:t>
             </a:fld>
             <a:endParaRPr lang="zh-CN" altLang="en-US"/>
           </a:p>
@@ -3022,7 +3022,7 @@
           <a:p>
             <a:fld id="{A8C52D35-E9E9-47B1-A7E4-E5A406F49528}" type="datetimeFigureOut">
               <a:rPr lang="zh-CN" altLang="en-US" smtClean="0"/>
-              <a:t>2020/4/25</a:t>
+              <a:t>2020/4/29</a:t>
             </a:fld>
             <a:endParaRPr lang="zh-CN" altLang="en-US"/>
           </a:p>
@@ -3263,7 +3263,7 @@
           <a:p>
             <a:fld id="{A8C52D35-E9E9-47B1-A7E4-E5A406F49528}" type="datetimeFigureOut">
               <a:rPr lang="zh-CN" altLang="en-US" smtClean="0"/>
-              <a:t>2020/4/25</a:t>
+              <a:t>2020/4/29</a:t>
             </a:fld>
             <a:endParaRPr lang="zh-CN" altLang="en-US"/>
           </a:p>
@@ -8360,48 +8360,6 @@
       </p:sp>
       <p:sp>
         <p:nvSpPr>
-          <p:cNvPr id="66" name="文本框 65">
-            <a:extLst>
-              <a:ext uri="{FF2B5EF4-FFF2-40B4-BE49-F238E27FC236}">
-                <a16:creationId xmlns:a16="http://schemas.microsoft.com/office/drawing/2014/main" id="{B586472B-0937-4382-93A3-4C8FFEEF11EB}"/>
-              </a:ext>
-            </a:extLst>
-          </p:cNvPr>
-          <p:cNvSpPr txBox="1"/>
-          <p:nvPr/>
-        </p:nvSpPr>
-        <p:spPr>
-          <a:xfrm>
-            <a:off x="9122807" y="2448745"/>
-            <a:ext cx="1502334" cy="369332"/>
-          </a:xfrm>
-          <a:prstGeom prst="rect">
-            <a:avLst/>
-          </a:prstGeom>
-          <a:noFill/>
-        </p:spPr>
-        <p:txBody>
-          <a:bodyPr wrap="none" rtlCol="0">
-            <a:spAutoFit/>
-          </a:bodyPr>
-          <a:lstStyle/>
-          <a:p>
-            <a:r>
-              <a:rPr lang="en-US" altLang="zh-CN" b="1" dirty="0">
-                <a:latin typeface="Times New Roman" panose="02020603050405020304" pitchFamily="18" charset="0"/>
-                <a:cs typeface="Times New Roman" panose="02020603050405020304" pitchFamily="18" charset="0"/>
-              </a:rPr>
-              <a:t>3×3, stride=2</a:t>
-            </a:r>
-            <a:endParaRPr lang="zh-CN" altLang="en-US" b="1" dirty="0">
-              <a:latin typeface="Times New Roman" panose="02020603050405020304" pitchFamily="18" charset="0"/>
-              <a:cs typeface="Times New Roman" panose="02020603050405020304" pitchFamily="18" charset="0"/>
-            </a:endParaRPr>
-          </a:p>
-        </p:txBody>
-      </p:sp>
-      <p:sp>
-        <p:nvSpPr>
           <p:cNvPr id="68" name="文本框 67">
             <a:extLst>
               <a:ext uri="{FF2B5EF4-FFF2-40B4-BE49-F238E27FC236}">
@@ -8509,6 +8467,11 @@
             <a:avLst/>
           </a:prstGeom>
           <a:ln w="60325">
+            <a:solidFill>
+              <a:schemeClr val="accent1">
+                <a:lumMod val="75000"/>
+              </a:schemeClr>
+            </a:solidFill>
             <a:tailEnd type="triangle"/>
           </a:ln>
         </p:spPr>

--- a/word/检测头.pptx
+++ b/word/检测头.pptx
@@ -5,12 +5,13 @@
     <p:sldMasterId id="2147483648" r:id="rId1"/>
   </p:sldMasterIdLst>
   <p:notesMasterIdLst>
-    <p:notesMasterId r:id="rId5"/>
+    <p:notesMasterId r:id="rId6"/>
   </p:notesMasterIdLst>
   <p:sldIdLst>
     <p:sldId id="256" r:id="rId2"/>
     <p:sldId id="257" r:id="rId3"/>
     <p:sldId id="258" r:id="rId4"/>
+    <p:sldId id="259" r:id="rId5"/>
   </p:sldIdLst>
   <p:sldSz cx="12192000" cy="6858000"/>
   <p:notesSz cx="6858000" cy="9144000"/>
@@ -199,7 +200,7 @@
           <a:p>
             <a:fld id="{BBEC9D85-A4AD-4C56-8787-D6CE08F5C7AE}" type="datetimeFigureOut">
               <a:rPr lang="zh-CN" altLang="en-US" smtClean="0"/>
-              <a:t>2020/4/29</a:t>
+              <a:t>2020/4/30</a:t>
             </a:fld>
             <a:endParaRPr lang="zh-CN" altLang="en-US"/>
           </a:p>
@@ -613,7 +614,7 @@
           <a:p>
             <a:fld id="{A8C52D35-E9E9-47B1-A7E4-E5A406F49528}" type="datetimeFigureOut">
               <a:rPr lang="zh-CN" altLang="en-US" smtClean="0"/>
-              <a:t>2020/4/29</a:t>
+              <a:t>2020/4/30</a:t>
             </a:fld>
             <a:endParaRPr lang="zh-CN" altLang="en-US"/>
           </a:p>
@@ -811,7 +812,7 @@
           <a:p>
             <a:fld id="{A8C52D35-E9E9-47B1-A7E4-E5A406F49528}" type="datetimeFigureOut">
               <a:rPr lang="zh-CN" altLang="en-US" smtClean="0"/>
-              <a:t>2020/4/29</a:t>
+              <a:t>2020/4/30</a:t>
             </a:fld>
             <a:endParaRPr lang="zh-CN" altLang="en-US"/>
           </a:p>
@@ -1019,7 +1020,7 @@
           <a:p>
             <a:fld id="{A8C52D35-E9E9-47B1-A7E4-E5A406F49528}" type="datetimeFigureOut">
               <a:rPr lang="zh-CN" altLang="en-US" smtClean="0"/>
-              <a:t>2020/4/29</a:t>
+              <a:t>2020/4/30</a:t>
             </a:fld>
             <a:endParaRPr lang="zh-CN" altLang="en-US"/>
           </a:p>
@@ -1217,7 +1218,7 @@
           <a:p>
             <a:fld id="{A8C52D35-E9E9-47B1-A7E4-E5A406F49528}" type="datetimeFigureOut">
               <a:rPr lang="zh-CN" altLang="en-US" smtClean="0"/>
-              <a:t>2020/4/29</a:t>
+              <a:t>2020/4/30</a:t>
             </a:fld>
             <a:endParaRPr lang="zh-CN" altLang="en-US"/>
           </a:p>
@@ -1492,7 +1493,7 @@
           <a:p>
             <a:fld id="{A8C52D35-E9E9-47B1-A7E4-E5A406F49528}" type="datetimeFigureOut">
               <a:rPr lang="zh-CN" altLang="en-US" smtClean="0"/>
-              <a:t>2020/4/29</a:t>
+              <a:t>2020/4/30</a:t>
             </a:fld>
             <a:endParaRPr lang="zh-CN" altLang="en-US"/>
           </a:p>
@@ -1757,7 +1758,7 @@
           <a:p>
             <a:fld id="{A8C52D35-E9E9-47B1-A7E4-E5A406F49528}" type="datetimeFigureOut">
               <a:rPr lang="zh-CN" altLang="en-US" smtClean="0"/>
-              <a:t>2020/4/29</a:t>
+              <a:t>2020/4/30</a:t>
             </a:fld>
             <a:endParaRPr lang="zh-CN" altLang="en-US"/>
           </a:p>
@@ -2169,7 +2170,7 @@
           <a:p>
             <a:fld id="{A8C52D35-E9E9-47B1-A7E4-E5A406F49528}" type="datetimeFigureOut">
               <a:rPr lang="zh-CN" altLang="en-US" smtClean="0"/>
-              <a:t>2020/4/29</a:t>
+              <a:t>2020/4/30</a:t>
             </a:fld>
             <a:endParaRPr lang="zh-CN" altLang="en-US"/>
           </a:p>
@@ -2310,7 +2311,7 @@
           <a:p>
             <a:fld id="{A8C52D35-E9E9-47B1-A7E4-E5A406F49528}" type="datetimeFigureOut">
               <a:rPr lang="zh-CN" altLang="en-US" smtClean="0"/>
-              <a:t>2020/4/29</a:t>
+              <a:t>2020/4/30</a:t>
             </a:fld>
             <a:endParaRPr lang="zh-CN" altLang="en-US"/>
           </a:p>
@@ -2423,7 +2424,7 @@
           <a:p>
             <a:fld id="{A8C52D35-E9E9-47B1-A7E4-E5A406F49528}" type="datetimeFigureOut">
               <a:rPr lang="zh-CN" altLang="en-US" smtClean="0"/>
-              <a:t>2020/4/29</a:t>
+              <a:t>2020/4/30</a:t>
             </a:fld>
             <a:endParaRPr lang="zh-CN" altLang="en-US"/>
           </a:p>
@@ -2734,7 +2735,7 @@
           <a:p>
             <a:fld id="{A8C52D35-E9E9-47B1-A7E4-E5A406F49528}" type="datetimeFigureOut">
               <a:rPr lang="zh-CN" altLang="en-US" smtClean="0"/>
-              <a:t>2020/4/29</a:t>
+              <a:t>2020/4/30</a:t>
             </a:fld>
             <a:endParaRPr lang="zh-CN" altLang="en-US"/>
           </a:p>
@@ -3022,7 +3023,7 @@
           <a:p>
             <a:fld id="{A8C52D35-E9E9-47B1-A7E4-E5A406F49528}" type="datetimeFigureOut">
               <a:rPr lang="zh-CN" altLang="en-US" smtClean="0"/>
-              <a:t>2020/4/29</a:t>
+              <a:t>2020/4/30</a:t>
             </a:fld>
             <a:endParaRPr lang="zh-CN" altLang="en-US"/>
           </a:p>
@@ -3263,7 +3264,7 @@
           <a:p>
             <a:fld id="{A8C52D35-E9E9-47B1-A7E4-E5A406F49528}" type="datetimeFigureOut">
               <a:rPr lang="zh-CN" altLang="en-US" smtClean="0"/>
-              <a:t>2020/4/29</a:t>
+              <a:t>2020/4/30</a:t>
             </a:fld>
             <a:endParaRPr lang="zh-CN" altLang="en-US"/>
           </a:p>
@@ -8578,6 +8579,543 @@
     <p:extLst>
       <p:ext uri="{BB962C8B-B14F-4D97-AF65-F5344CB8AC3E}">
         <p14:creationId xmlns:p14="http://schemas.microsoft.com/office/powerpoint/2010/main" val="404323175"/>
+      </p:ext>
+    </p:extLst>
+  </p:cSld>
+  <p:clrMapOvr>
+    <a:masterClrMapping/>
+  </p:clrMapOvr>
+</p:sld>
+</file>
+
+<file path=ppt/slides/slide4.xml><?xml version="1.0" encoding="utf-8"?>
+<p:sld xmlns:a="http://schemas.openxmlformats.org/drawingml/2006/main" xmlns:r="http://schemas.openxmlformats.org/officeDocument/2006/relationships" xmlns:p="http://schemas.openxmlformats.org/presentationml/2006/main">
+  <p:cSld>
+    <p:spTree>
+      <p:nvGrpSpPr>
+        <p:cNvPr id="1" name=""/>
+        <p:cNvGrpSpPr/>
+        <p:nvPr/>
+      </p:nvGrpSpPr>
+      <p:grpSpPr>
+        <a:xfrm>
+          <a:off x="0" y="0"/>
+          <a:ext cx="0" cy="0"/>
+          <a:chOff x="0" y="0"/>
+          <a:chExt cx="0" cy="0"/>
+        </a:xfrm>
+      </p:grpSpPr>
+      <p:pic>
+        <p:nvPicPr>
+          <p:cNvPr id="5" name="图片 4">
+            <a:extLst>
+              <a:ext uri="{FF2B5EF4-FFF2-40B4-BE49-F238E27FC236}">
+                <a16:creationId xmlns:a16="http://schemas.microsoft.com/office/drawing/2014/main" id="{FB35CE81-A7BB-4F13-AD7C-D4F525F4E1C7}"/>
+              </a:ext>
+            </a:extLst>
+          </p:cNvPr>
+          <p:cNvPicPr>
+            <a:picLocks noChangeAspect="1"/>
+          </p:cNvPicPr>
+          <p:nvPr/>
+        </p:nvPicPr>
+        <p:blipFill>
+          <a:blip r:embed="rId2">
+            <a:extLst>
+              <a:ext uri="{28A0092B-C50C-407E-A947-70E740481C1C}">
+                <a14:useLocalDpi xmlns:a14="http://schemas.microsoft.com/office/drawing/2010/main" val="0"/>
+              </a:ext>
+            </a:extLst>
+          </a:blip>
+          <a:stretch>
+            <a:fillRect/>
+          </a:stretch>
+        </p:blipFill>
+        <p:spPr>
+          <a:xfrm>
+            <a:off x="-2" y="373874"/>
+            <a:ext cx="4045005" cy="3033754"/>
+          </a:xfrm>
+          <a:prstGeom prst="rect">
+            <a:avLst/>
+          </a:prstGeom>
+        </p:spPr>
+      </p:pic>
+      <p:pic>
+        <p:nvPicPr>
+          <p:cNvPr id="7" name="图片 6">
+            <a:extLst>
+              <a:ext uri="{FF2B5EF4-FFF2-40B4-BE49-F238E27FC236}">
+                <a16:creationId xmlns:a16="http://schemas.microsoft.com/office/drawing/2014/main" id="{CE695867-01C6-48D2-8E2D-C24AD96C2243}"/>
+              </a:ext>
+            </a:extLst>
+          </p:cNvPr>
+          <p:cNvPicPr>
+            <a:picLocks noChangeAspect="1"/>
+          </p:cNvPicPr>
+          <p:nvPr/>
+        </p:nvPicPr>
+        <p:blipFill>
+          <a:blip r:embed="rId3">
+            <a:extLst>
+              <a:ext uri="{28A0092B-C50C-407E-A947-70E740481C1C}">
+                <a14:useLocalDpi xmlns:a14="http://schemas.microsoft.com/office/drawing/2010/main" val="0"/>
+              </a:ext>
+            </a:extLst>
+          </a:blip>
+          <a:stretch>
+            <a:fillRect/>
+          </a:stretch>
+        </p:blipFill>
+        <p:spPr>
+          <a:xfrm>
+            <a:off x="4073497" y="373874"/>
+            <a:ext cx="4045005" cy="3033754"/>
+          </a:xfrm>
+          <a:prstGeom prst="rect">
+            <a:avLst/>
+          </a:prstGeom>
+        </p:spPr>
+      </p:pic>
+      <p:pic>
+        <p:nvPicPr>
+          <p:cNvPr id="9" name="图片 8">
+            <a:extLst>
+              <a:ext uri="{FF2B5EF4-FFF2-40B4-BE49-F238E27FC236}">
+                <a16:creationId xmlns:a16="http://schemas.microsoft.com/office/drawing/2014/main" id="{79DDA454-144D-4BF8-A7CA-61954EFEA014}"/>
+              </a:ext>
+            </a:extLst>
+          </p:cNvPr>
+          <p:cNvPicPr>
+            <a:picLocks noChangeAspect="1"/>
+          </p:cNvPicPr>
+          <p:nvPr/>
+        </p:nvPicPr>
+        <p:blipFill>
+          <a:blip r:embed="rId4">
+            <a:extLst>
+              <a:ext uri="{28A0092B-C50C-407E-A947-70E740481C1C}">
+                <a14:useLocalDpi xmlns:a14="http://schemas.microsoft.com/office/drawing/2010/main" val="0"/>
+              </a:ext>
+            </a:extLst>
+          </a:blip>
+          <a:stretch>
+            <a:fillRect/>
+          </a:stretch>
+        </p:blipFill>
+        <p:spPr>
+          <a:xfrm>
+            <a:off x="8146995" y="373873"/>
+            <a:ext cx="4045004" cy="3033753"/>
+          </a:xfrm>
+          <a:prstGeom prst="rect">
+            <a:avLst/>
+          </a:prstGeom>
+        </p:spPr>
+      </p:pic>
+      <p:pic>
+        <p:nvPicPr>
+          <p:cNvPr id="11" name="图片 10">
+            <a:extLst>
+              <a:ext uri="{FF2B5EF4-FFF2-40B4-BE49-F238E27FC236}">
+                <a16:creationId xmlns:a16="http://schemas.microsoft.com/office/drawing/2014/main" id="{FF38EA56-1015-40B0-B50E-434A01684F30}"/>
+              </a:ext>
+            </a:extLst>
+          </p:cNvPr>
+          <p:cNvPicPr>
+            <a:picLocks noChangeAspect="1"/>
+          </p:cNvPicPr>
+          <p:nvPr/>
+        </p:nvPicPr>
+        <p:blipFill>
+          <a:blip r:embed="rId5">
+            <a:extLst>
+              <a:ext uri="{28A0092B-C50C-407E-A947-70E740481C1C}">
+                <a14:useLocalDpi xmlns:a14="http://schemas.microsoft.com/office/drawing/2010/main" val="0"/>
+              </a:ext>
+            </a:extLst>
+          </a:blip>
+          <a:stretch>
+            <a:fillRect/>
+          </a:stretch>
+        </p:blipFill>
+        <p:spPr>
+          <a:xfrm>
+            <a:off x="0" y="3429001"/>
+            <a:ext cx="4045004" cy="3033753"/>
+          </a:xfrm>
+          <a:prstGeom prst="rect">
+            <a:avLst/>
+          </a:prstGeom>
+        </p:spPr>
+      </p:pic>
+      <p:pic>
+        <p:nvPicPr>
+          <p:cNvPr id="13" name="图片 12">
+            <a:extLst>
+              <a:ext uri="{FF2B5EF4-FFF2-40B4-BE49-F238E27FC236}">
+                <a16:creationId xmlns:a16="http://schemas.microsoft.com/office/drawing/2014/main" id="{9FC527F3-AF8D-47F3-8BCB-BD22A2E20308}"/>
+              </a:ext>
+            </a:extLst>
+          </p:cNvPr>
+          <p:cNvPicPr>
+            <a:picLocks noChangeAspect="1"/>
+          </p:cNvPicPr>
+          <p:nvPr/>
+        </p:nvPicPr>
+        <p:blipFill>
+          <a:blip r:embed="rId6">
+            <a:extLst>
+              <a:ext uri="{28A0092B-C50C-407E-A947-70E740481C1C}">
+                <a14:useLocalDpi xmlns:a14="http://schemas.microsoft.com/office/drawing/2010/main" val="0"/>
+              </a:ext>
+            </a:extLst>
+          </a:blip>
+          <a:stretch>
+            <a:fillRect/>
+          </a:stretch>
+        </p:blipFill>
+        <p:spPr>
+          <a:xfrm>
+            <a:off x="4073498" y="3429000"/>
+            <a:ext cx="4045003" cy="3033753"/>
+          </a:xfrm>
+          <a:prstGeom prst="rect">
+            <a:avLst/>
+          </a:prstGeom>
+        </p:spPr>
+      </p:pic>
+      <p:pic>
+        <p:nvPicPr>
+          <p:cNvPr id="15" name="图片 14">
+            <a:extLst>
+              <a:ext uri="{FF2B5EF4-FFF2-40B4-BE49-F238E27FC236}">
+                <a16:creationId xmlns:a16="http://schemas.microsoft.com/office/drawing/2014/main" id="{A49A44E2-2673-4472-A63A-18ED151A749B}"/>
+              </a:ext>
+            </a:extLst>
+          </p:cNvPr>
+          <p:cNvPicPr>
+            <a:picLocks noChangeAspect="1"/>
+          </p:cNvPicPr>
+          <p:nvPr/>
+        </p:nvPicPr>
+        <p:blipFill>
+          <a:blip r:embed="rId7">
+            <a:extLst>
+              <a:ext uri="{28A0092B-C50C-407E-A947-70E740481C1C}">
+                <a14:useLocalDpi xmlns:a14="http://schemas.microsoft.com/office/drawing/2010/main" val="0"/>
+              </a:ext>
+            </a:extLst>
+          </a:blip>
+          <a:stretch>
+            <a:fillRect/>
+          </a:stretch>
+        </p:blipFill>
+        <p:spPr>
+          <a:xfrm>
+            <a:off x="8146995" y="3428997"/>
+            <a:ext cx="4045003" cy="3033753"/>
+          </a:xfrm>
+          <a:prstGeom prst="rect">
+            <a:avLst/>
+          </a:prstGeom>
+        </p:spPr>
+      </p:pic>
+      <p:sp>
+        <p:nvSpPr>
+          <p:cNvPr id="17" name="文本框 16">
+            <a:extLst>
+              <a:ext uri="{FF2B5EF4-FFF2-40B4-BE49-F238E27FC236}">
+                <a16:creationId xmlns:a16="http://schemas.microsoft.com/office/drawing/2014/main" id="{4C8AF6EC-424E-4BBD-AE3E-1A45D0C5EF75}"/>
+              </a:ext>
+            </a:extLst>
+          </p:cNvPr>
+          <p:cNvSpPr txBox="1"/>
+          <p:nvPr/>
+        </p:nvSpPr>
+        <p:spPr>
+          <a:xfrm>
+            <a:off x="1604440" y="3265707"/>
+            <a:ext cx="836120" cy="369332"/>
+          </a:xfrm>
+          <a:prstGeom prst="rect">
+            <a:avLst/>
+          </a:prstGeom>
+          <a:noFill/>
+        </p:spPr>
+        <p:txBody>
+          <a:bodyPr wrap="square" rtlCol="0">
+            <a:spAutoFit/>
+          </a:bodyPr>
+          <a:lstStyle/>
+          <a:p>
+            <a:r>
+              <a:rPr lang="en-US" altLang="zh-CN" dirty="0">
+                <a:latin typeface="Times New Roman" panose="02020603050405020304" pitchFamily="18" charset="0"/>
+                <a:ea typeface="宋体" panose="02010600030101010101" pitchFamily="2" charset="-122"/>
+                <a:cs typeface="Times New Roman" panose="02020603050405020304" pitchFamily="18" charset="0"/>
+              </a:rPr>
+              <a:t>a)</a:t>
+            </a:r>
+            <a:r>
+              <a:rPr lang="zh-CN" altLang="en-US" dirty="0">
+                <a:latin typeface="宋体" panose="02010600030101010101" pitchFamily="2" charset="-122"/>
+                <a:ea typeface="宋体" panose="02010600030101010101" pitchFamily="2" charset="-122"/>
+              </a:rPr>
+              <a:t>原图</a:t>
+            </a:r>
+          </a:p>
+        </p:txBody>
+      </p:sp>
+      <p:sp>
+        <p:nvSpPr>
+          <p:cNvPr id="18" name="文本框 17">
+            <a:extLst>
+              <a:ext uri="{FF2B5EF4-FFF2-40B4-BE49-F238E27FC236}">
+                <a16:creationId xmlns:a16="http://schemas.microsoft.com/office/drawing/2014/main" id="{FF39619D-5BBA-4511-B502-C378106E6801}"/>
+              </a:ext>
+            </a:extLst>
+          </p:cNvPr>
+          <p:cNvSpPr txBox="1"/>
+          <p:nvPr/>
+        </p:nvSpPr>
+        <p:spPr>
+          <a:xfrm>
+            <a:off x="5426684" y="3265707"/>
+            <a:ext cx="1338630" cy="369332"/>
+          </a:xfrm>
+          <a:prstGeom prst="rect">
+            <a:avLst/>
+          </a:prstGeom>
+          <a:noFill/>
+        </p:spPr>
+        <p:txBody>
+          <a:bodyPr wrap="square" rtlCol="0">
+            <a:spAutoFit/>
+          </a:bodyPr>
+          <a:lstStyle/>
+          <a:p>
+            <a:r>
+              <a:rPr lang="en-US" altLang="zh-CN" dirty="0">
+                <a:latin typeface="Times New Roman" panose="02020603050405020304" pitchFamily="18" charset="0"/>
+                <a:ea typeface="宋体" panose="02010600030101010101" pitchFamily="2" charset="-122"/>
+                <a:cs typeface="Times New Roman" panose="02020603050405020304" pitchFamily="18" charset="0"/>
+              </a:rPr>
+              <a:t>b)</a:t>
+            </a:r>
+            <a:r>
+              <a:rPr lang="zh-CN" altLang="en-US" dirty="0">
+                <a:latin typeface="宋体" panose="02010600030101010101" pitchFamily="2" charset="-122"/>
+                <a:ea typeface="宋体" panose="02010600030101010101" pitchFamily="2" charset="-122"/>
+              </a:rPr>
+              <a:t>调整尺寸</a:t>
+            </a:r>
+          </a:p>
+        </p:txBody>
+      </p:sp>
+      <p:sp>
+        <p:nvSpPr>
+          <p:cNvPr id="19" name="文本框 18">
+            <a:extLst>
+              <a:ext uri="{FF2B5EF4-FFF2-40B4-BE49-F238E27FC236}">
+                <a16:creationId xmlns:a16="http://schemas.microsoft.com/office/drawing/2014/main" id="{25E6B13C-9446-4AA0-952B-53825DBA2C6B}"/>
+              </a:ext>
+            </a:extLst>
+          </p:cNvPr>
+          <p:cNvSpPr txBox="1"/>
+          <p:nvPr/>
+        </p:nvSpPr>
+        <p:spPr>
+          <a:xfrm>
+            <a:off x="9500181" y="3265707"/>
+            <a:ext cx="1338630" cy="369332"/>
+          </a:xfrm>
+          <a:prstGeom prst="rect">
+            <a:avLst/>
+          </a:prstGeom>
+          <a:noFill/>
+        </p:spPr>
+        <p:txBody>
+          <a:bodyPr wrap="square" rtlCol="0">
+            <a:spAutoFit/>
+          </a:bodyPr>
+          <a:lstStyle/>
+          <a:p>
+            <a:r>
+              <a:rPr lang="en-US" altLang="zh-CN" dirty="0">
+                <a:latin typeface="Times New Roman" panose="02020603050405020304" pitchFamily="18" charset="0"/>
+                <a:ea typeface="宋体" panose="02010600030101010101" pitchFamily="2" charset="-122"/>
+                <a:cs typeface="Times New Roman" panose="02020603050405020304" pitchFamily="18" charset="0"/>
+              </a:rPr>
+              <a:t>c)</a:t>
+            </a:r>
+            <a:r>
+              <a:rPr lang="zh-CN" altLang="en-US" dirty="0">
+                <a:latin typeface="宋体" panose="02010600030101010101" pitchFamily="2" charset="-122"/>
+                <a:ea typeface="宋体" panose="02010600030101010101" pitchFamily="2" charset="-122"/>
+              </a:rPr>
+              <a:t>缩放平移</a:t>
+            </a:r>
+          </a:p>
+        </p:txBody>
+      </p:sp>
+      <p:sp>
+        <p:nvSpPr>
+          <p:cNvPr id="20" name="文本框 19">
+            <a:extLst>
+              <a:ext uri="{FF2B5EF4-FFF2-40B4-BE49-F238E27FC236}">
+                <a16:creationId xmlns:a16="http://schemas.microsoft.com/office/drawing/2014/main" id="{29CF2894-3594-4C4F-9749-C522E791531F}"/>
+              </a:ext>
+            </a:extLst>
+          </p:cNvPr>
+          <p:cNvSpPr txBox="1"/>
+          <p:nvPr/>
+        </p:nvSpPr>
+        <p:spPr>
+          <a:xfrm>
+            <a:off x="1353185" y="6342206"/>
+            <a:ext cx="1338630" cy="369332"/>
+          </a:xfrm>
+          <a:prstGeom prst="rect">
+            <a:avLst/>
+          </a:prstGeom>
+          <a:noFill/>
+        </p:spPr>
+        <p:txBody>
+          <a:bodyPr wrap="square" rtlCol="0">
+            <a:spAutoFit/>
+          </a:bodyPr>
+          <a:lstStyle/>
+          <a:p>
+            <a:r>
+              <a:rPr lang="en-US" altLang="zh-CN" dirty="0">
+                <a:latin typeface="Times New Roman" panose="02020603050405020304" pitchFamily="18" charset="0"/>
+                <a:ea typeface="宋体" panose="02010600030101010101" pitchFamily="2" charset="-122"/>
+                <a:cs typeface="Times New Roman" panose="02020603050405020304" pitchFamily="18" charset="0"/>
+              </a:rPr>
+              <a:t>d)</a:t>
+            </a:r>
+            <a:r>
+              <a:rPr lang="zh-CN" altLang="en-US" dirty="0">
+                <a:latin typeface="宋体" panose="02010600030101010101" pitchFamily="2" charset="-122"/>
+                <a:ea typeface="宋体" panose="02010600030101010101" pitchFamily="2" charset="-122"/>
+                <a:cs typeface="Times New Roman" panose="02020603050405020304" pitchFamily="18" charset="0"/>
+              </a:rPr>
+              <a:t>左右翻转</a:t>
+            </a:r>
+            <a:endParaRPr lang="zh-CN" altLang="en-US" dirty="0">
+              <a:latin typeface="宋体" panose="02010600030101010101" pitchFamily="2" charset="-122"/>
+              <a:ea typeface="宋体" panose="02010600030101010101" pitchFamily="2" charset="-122"/>
+            </a:endParaRPr>
+          </a:p>
+        </p:txBody>
+      </p:sp>
+      <p:sp>
+        <p:nvSpPr>
+          <p:cNvPr id="21" name="文本框 20">
+            <a:extLst>
+              <a:ext uri="{FF2B5EF4-FFF2-40B4-BE49-F238E27FC236}">
+                <a16:creationId xmlns:a16="http://schemas.microsoft.com/office/drawing/2014/main" id="{71E45020-1D29-4688-85E8-787C9A3640C3}"/>
+              </a:ext>
+            </a:extLst>
+          </p:cNvPr>
+          <p:cNvSpPr txBox="1"/>
+          <p:nvPr/>
+        </p:nvSpPr>
+        <p:spPr>
+          <a:xfrm>
+            <a:off x="5426684" y="6342206"/>
+            <a:ext cx="1338630" cy="369332"/>
+          </a:xfrm>
+          <a:prstGeom prst="rect">
+            <a:avLst/>
+          </a:prstGeom>
+          <a:noFill/>
+        </p:spPr>
+        <p:txBody>
+          <a:bodyPr wrap="square" rtlCol="0">
+            <a:spAutoFit/>
+          </a:bodyPr>
+          <a:lstStyle/>
+          <a:p>
+            <a:r>
+              <a:rPr lang="en-US" altLang="zh-CN" dirty="0">
+                <a:latin typeface="Times New Roman" panose="02020603050405020304" pitchFamily="18" charset="0"/>
+                <a:ea typeface="宋体" panose="02010600030101010101" pitchFamily="2" charset="-122"/>
+                <a:cs typeface="Times New Roman" panose="02020603050405020304" pitchFamily="18" charset="0"/>
+              </a:rPr>
+              <a:t>e)</a:t>
+            </a:r>
+            <a:r>
+              <a:rPr lang="zh-CN" altLang="en-US" dirty="0">
+                <a:latin typeface="宋体" panose="02010600030101010101" pitchFamily="2" charset="-122"/>
+                <a:ea typeface="宋体" panose="02010600030101010101" pitchFamily="2" charset="-122"/>
+                <a:cs typeface="Times New Roman" panose="02020603050405020304" pitchFamily="18" charset="0"/>
+              </a:rPr>
+              <a:t>上下翻转</a:t>
+            </a:r>
+            <a:endParaRPr lang="zh-CN" altLang="en-US" dirty="0">
+              <a:latin typeface="宋体" panose="02010600030101010101" pitchFamily="2" charset="-122"/>
+              <a:ea typeface="宋体" panose="02010600030101010101" pitchFamily="2" charset="-122"/>
+            </a:endParaRPr>
+          </a:p>
+        </p:txBody>
+      </p:sp>
+      <p:sp>
+        <p:nvSpPr>
+          <p:cNvPr id="22" name="文本框 21">
+            <a:extLst>
+              <a:ext uri="{FF2B5EF4-FFF2-40B4-BE49-F238E27FC236}">
+                <a16:creationId xmlns:a16="http://schemas.microsoft.com/office/drawing/2014/main" id="{B14B7F86-1465-460D-A8FB-F32995D74347}"/>
+              </a:ext>
+            </a:extLst>
+          </p:cNvPr>
+          <p:cNvSpPr txBox="1"/>
+          <p:nvPr/>
+        </p:nvSpPr>
+        <p:spPr>
+          <a:xfrm>
+            <a:off x="9500181" y="6342206"/>
+            <a:ext cx="1338630" cy="369332"/>
+          </a:xfrm>
+          <a:prstGeom prst="rect">
+            <a:avLst/>
+          </a:prstGeom>
+          <a:noFill/>
+        </p:spPr>
+        <p:txBody>
+          <a:bodyPr wrap="square" rtlCol="0">
+            <a:spAutoFit/>
+          </a:bodyPr>
+          <a:lstStyle/>
+          <a:p>
+            <a:r>
+              <a:rPr lang="en-US" altLang="zh-CN" dirty="0">
+                <a:latin typeface="Times New Roman" panose="02020603050405020304" pitchFamily="18" charset="0"/>
+                <a:ea typeface="宋体" panose="02010600030101010101" pitchFamily="2" charset="-122"/>
+                <a:cs typeface="Times New Roman" panose="02020603050405020304" pitchFamily="18" charset="0"/>
+              </a:rPr>
+              <a:t>f)</a:t>
+            </a:r>
+            <a:r>
+              <a:rPr lang="zh-CN" altLang="en-US" dirty="0">
+                <a:latin typeface="宋体" panose="02010600030101010101" pitchFamily="2" charset="-122"/>
+                <a:ea typeface="宋体" panose="02010600030101010101" pitchFamily="2" charset="-122"/>
+                <a:cs typeface="Times New Roman" panose="02020603050405020304" pitchFamily="18" charset="0"/>
+              </a:rPr>
+              <a:t>色彩变换</a:t>
+            </a:r>
+            <a:endParaRPr lang="zh-CN" altLang="en-US" dirty="0">
+              <a:latin typeface="宋体" panose="02010600030101010101" pitchFamily="2" charset="-122"/>
+              <a:ea typeface="宋体" panose="02010600030101010101" pitchFamily="2" charset="-122"/>
+            </a:endParaRPr>
+          </a:p>
+        </p:txBody>
+      </p:sp>
+    </p:spTree>
+    <p:extLst>
+      <p:ext uri="{BB962C8B-B14F-4D97-AF65-F5344CB8AC3E}">
+        <p14:creationId xmlns:p14="http://schemas.microsoft.com/office/powerpoint/2010/main" val="3226024779"/>
       </p:ext>
     </p:extLst>
   </p:cSld>
